--- a/architecture/architecture.pptx
+++ b/architecture/architecture.pptx
@@ -5,10 +5,10 @@
     <p:sldMasterId id="2147483662" r:id="rId1"/>
   </p:sldMasterIdLst>
   <p:notesMasterIdLst>
-    <p:notesMasterId r:id="rId58"/>
+    <p:notesMasterId r:id="rId60"/>
   </p:notesMasterIdLst>
   <p:handoutMasterIdLst>
-    <p:handoutMasterId r:id="rId59"/>
+    <p:handoutMasterId r:id="rId61"/>
   </p:handoutMasterIdLst>
   <p:sldIdLst>
     <p:sldId id="294" r:id="rId2"/>
@@ -67,6 +67,8 @@
     <p:sldId id="352" r:id="rId55"/>
     <p:sldId id="353" r:id="rId56"/>
     <p:sldId id="354" r:id="rId57"/>
+    <p:sldId id="355" r:id="rId58"/>
+    <p:sldId id="356" r:id="rId59"/>
   </p:sldIdLst>
   <p:sldSz cx="9144000" cy="6858000" type="screen4x3"/>
   <p:notesSz cx="6797675" cy="9928225"/>
@@ -2671,8 +2673,8 @@
     <dgm:cxn modelId="{2A3F9581-524D-488D-8524-37AD624D800E}" type="presOf" srcId="{84861E17-6656-48BB-8D56-B55280026981}" destId="{66C3BEF1-1B14-4CBF-8343-D0FFEF7AB039}" srcOrd="0" destOrd="0" presId="urn:microsoft.com/office/officeart/2005/8/layout/process2"/>
     <dgm:cxn modelId="{CCC285B6-18F0-4230-835D-FA2827F56A56}" srcId="{F757BFC9-C911-46F8-B13C-8917DE4A0119}" destId="{F2A3FAB5-40FF-4109-A837-4895E28CC3F1}" srcOrd="3" destOrd="0" parTransId="{EEB9F0A0-A742-4F0B-B0CE-5F506DA1E83E}" sibTransId="{48521CB1-DEFB-4761-BA53-9B79EAAB7ED9}"/>
     <dgm:cxn modelId="{A40509C6-26D9-4736-9BC3-26A055EAF4A3}" type="presOf" srcId="{F2A3FAB5-40FF-4109-A837-4895E28CC3F1}" destId="{2E95BB91-2A8B-43CC-809A-2CB2FB107920}" srcOrd="0" destOrd="0" presId="urn:microsoft.com/office/officeart/2005/8/layout/process2"/>
+    <dgm:cxn modelId="{0FEB794E-59A1-4951-87A0-24A899195344}" type="presOf" srcId="{06AD1A66-FBF0-470D-975E-832605D15D9E}" destId="{B75F2C6E-90B3-441F-A823-018296AA52E8}" srcOrd="0" destOrd="0" presId="urn:microsoft.com/office/officeart/2005/8/layout/process2"/>
     <dgm:cxn modelId="{AAEA9A0C-98DD-4C8E-9A62-F857BEBEAE94}" type="presOf" srcId="{274F9FEB-DC56-4E5A-BE56-A3E442C6A2A2}" destId="{FCAC7CE0-7685-4F4D-8A23-224CA649F51D}" srcOrd="1" destOrd="0" presId="urn:microsoft.com/office/officeart/2005/8/layout/process2"/>
-    <dgm:cxn modelId="{0FEB794E-59A1-4951-87A0-24A899195344}" type="presOf" srcId="{06AD1A66-FBF0-470D-975E-832605D15D9E}" destId="{B75F2C6E-90B3-441F-A823-018296AA52E8}" srcOrd="0" destOrd="0" presId="urn:microsoft.com/office/officeart/2005/8/layout/process2"/>
     <dgm:cxn modelId="{D46C1C2D-7C2E-4B5F-B70F-35236BAF8D8A}" type="presOf" srcId="{F757BFC9-C911-46F8-B13C-8917DE4A0119}" destId="{85FBBA7D-4575-4231-9CB6-C3E3E3FC0E3E}" srcOrd="0" destOrd="0" presId="urn:microsoft.com/office/officeart/2005/8/layout/process2"/>
     <dgm:cxn modelId="{3D749046-D482-44A2-B795-47FD77E3FAFA}" srcId="{F757BFC9-C911-46F8-B13C-8917DE4A0119}" destId="{52F84908-B2DE-4046-9A34-FA89A3584236}" srcOrd="1" destOrd="0" parTransId="{65F158BB-49B6-408E-9698-9148775EF0BF}" sibTransId="{274F9FEB-DC56-4E5A-BE56-A3E442C6A2A2}"/>
     <dgm:cxn modelId="{0E4FBDC1-7D65-44C3-9038-4DAD5534A559}" type="presOf" srcId="{52F84908-B2DE-4046-9A34-FA89A3584236}" destId="{A422795E-4F7E-4C6A-B402-73E991020385}" srcOrd="0" destOrd="0" presId="urn:microsoft.com/office/officeart/2005/8/layout/process2"/>
@@ -5548,7 +5550,7 @@
           <a:p>
             <a:fld id="{F2D9E63A-3704-4D75-A1D0-26F9891BD504}" type="datetimeFigureOut">
               <a:rPr lang="en-US" smtClean="0"/>
-              <a:t>12/18/2016</a:t>
+              <a:t>12/20/2016</a:t>
             </a:fld>
             <a:endParaRPr lang="en-US"/>
           </a:p>
@@ -5713,7 +5715,7 @@
           <a:p>
             <a:fld id="{95364BAB-A6C6-45CC-A340-50E03A4190B2}" type="datetimeFigureOut">
               <a:rPr lang="en-US" smtClean="0"/>
-              <a:t>12/18/2016</a:t>
+              <a:t>12/20/2016</a:t>
             </a:fld>
             <a:endParaRPr lang="en-US"/>
           </a:p>
@@ -17106,6 +17108,266 @@
 </p:sld>
 </file>
 
+<file path=ppt/slides/slide57.xml><?xml version="1.0" encoding="utf-8"?>
+<p:sld xmlns:a="http://schemas.openxmlformats.org/drawingml/2006/main" xmlns:r="http://schemas.openxmlformats.org/officeDocument/2006/relationships" xmlns:p="http://schemas.openxmlformats.org/presentationml/2006/main">
+  <p:cSld>
+    <p:spTree>
+      <p:nvGrpSpPr>
+        <p:cNvPr id="1" name=""/>
+        <p:cNvGrpSpPr/>
+        <p:nvPr/>
+      </p:nvGrpSpPr>
+      <p:grpSpPr>
+        <a:xfrm>
+          <a:off x="0" y="0"/>
+          <a:ext cx="0" cy="0"/>
+          <a:chOff x="0" y="0"/>
+          <a:chExt cx="0" cy="0"/>
+        </a:xfrm>
+      </p:grpSpPr>
+      <p:sp>
+        <p:nvSpPr>
+          <p:cNvPr id="2" name="Title 1"/>
+          <p:cNvSpPr>
+            <a:spLocks noGrp="1"/>
+          </p:cNvSpPr>
+          <p:nvPr>
+            <p:ph type="title"/>
+          </p:nvPr>
+        </p:nvSpPr>
+        <p:spPr/>
+        <p:txBody>
+          <a:bodyPr/>
+          <a:lstStyle/>
+          <a:p>
+            <a:r>
+              <a:rPr lang="en-US" dirty="0" smtClean="0"/>
+              <a:t>Strategies for gap filling (running algorithm on missing data)</a:t>
+            </a:r>
+            <a:endParaRPr lang="en-US" dirty="0"/>
+          </a:p>
+        </p:txBody>
+      </p:sp>
+      <p:sp>
+        <p:nvSpPr>
+          <p:cNvPr id="3" name="Content Placeholder 2"/>
+          <p:cNvSpPr>
+            <a:spLocks noGrp="1"/>
+          </p:cNvSpPr>
+          <p:nvPr>
+            <p:ph idx="1"/>
+          </p:nvPr>
+        </p:nvSpPr>
+        <p:spPr/>
+        <p:txBody>
+          <a:bodyPr/>
+          <a:lstStyle/>
+          <a:p>
+            <a:r>
+              <a:rPr lang="en-US" dirty="0" smtClean="0"/>
+              <a:t>Different kind of gap filling</a:t>
+            </a:r>
+          </a:p>
+          <a:p>
+            <a:pPr lvl="1"/>
+            <a:r>
+              <a:rPr lang="en-US" dirty="0" smtClean="0"/>
+              <a:t>Weather variable</a:t>
+            </a:r>
+          </a:p>
+          <a:p>
+            <a:pPr lvl="1"/>
+            <a:r>
+              <a:rPr lang="en-US" dirty="0" smtClean="0"/>
+              <a:t>Load variable</a:t>
+            </a:r>
+          </a:p>
+          <a:p>
+            <a:pPr lvl="1"/>
+            <a:r>
+              <a:rPr lang="en-US" dirty="0" smtClean="0"/>
+              <a:t>Other..</a:t>
+            </a:r>
+          </a:p>
+          <a:p>
+            <a:r>
+              <a:rPr lang="en-US" dirty="0" smtClean="0"/>
+              <a:t>Gap filling before training</a:t>
+            </a:r>
+          </a:p>
+          <a:p>
+            <a:pPr lvl="1"/>
+            <a:r>
+              <a:rPr lang="en-US" dirty="0" smtClean="0"/>
+              <a:t>No need just train on whatever data is available</a:t>
+            </a:r>
+          </a:p>
+          <a:p>
+            <a:r>
+              <a:rPr lang="en-US" dirty="0" smtClean="0"/>
+              <a:t>Gap filling before predicting</a:t>
+            </a:r>
+          </a:p>
+          <a:p>
+            <a:pPr lvl="1"/>
+            <a:r>
+              <a:rPr lang="en-US" dirty="0" smtClean="0"/>
+              <a:t>Advantage: less gaps to fill</a:t>
+            </a:r>
+          </a:p>
+          <a:p>
+            <a:pPr lvl="1"/>
+            <a:r>
+              <a:rPr lang="en-US" dirty="0" smtClean="0"/>
+              <a:t>Inconvenient: more columns to fill (have to fill each input variable)</a:t>
+            </a:r>
+          </a:p>
+          <a:p>
+            <a:r>
+              <a:rPr lang="en-US" dirty="0" smtClean="0"/>
+              <a:t>Gap filling after predicting</a:t>
+            </a:r>
+          </a:p>
+          <a:p>
+            <a:pPr lvl="1"/>
+            <a:r>
+              <a:rPr lang="en-US" dirty="0" smtClean="0"/>
+              <a:t>Advantage: only one column to fill</a:t>
+            </a:r>
+          </a:p>
+          <a:p>
+            <a:pPr lvl="1"/>
+            <a:r>
+              <a:rPr lang="en-US" dirty="0" smtClean="0"/>
+              <a:t>Inconvenient: can be a lot of columns to fill, not very stable</a:t>
+            </a:r>
+            <a:endParaRPr lang="en-US" dirty="0"/>
+          </a:p>
+        </p:txBody>
+      </p:sp>
+    </p:spTree>
+    <p:extLst>
+      <p:ext uri="{BB962C8B-B14F-4D97-AF65-F5344CB8AC3E}">
+        <p14:creationId xmlns:p14="http://schemas.microsoft.com/office/powerpoint/2010/main" val="468185544"/>
+      </p:ext>
+    </p:extLst>
+  </p:cSld>
+  <p:clrMapOvr>
+    <a:masterClrMapping/>
+  </p:clrMapOvr>
+</p:sld>
+</file>
+
+<file path=ppt/slides/slide58.xml><?xml version="1.0" encoding="utf-8"?>
+<p:sld xmlns:a="http://schemas.openxmlformats.org/drawingml/2006/main" xmlns:r="http://schemas.openxmlformats.org/officeDocument/2006/relationships" xmlns:p="http://schemas.openxmlformats.org/presentationml/2006/main">
+  <p:cSld>
+    <p:spTree>
+      <p:nvGrpSpPr>
+        <p:cNvPr id="1" name=""/>
+        <p:cNvGrpSpPr/>
+        <p:nvPr/>
+      </p:nvGrpSpPr>
+      <p:grpSpPr>
+        <a:xfrm>
+          <a:off x="0" y="0"/>
+          <a:ext cx="0" cy="0"/>
+          <a:chOff x="0" y="0"/>
+          <a:chExt cx="0" cy="0"/>
+        </a:xfrm>
+      </p:grpSpPr>
+      <p:sp>
+        <p:nvSpPr>
+          <p:cNvPr id="2" name="Title 1"/>
+          <p:cNvSpPr>
+            <a:spLocks noGrp="1"/>
+          </p:cNvSpPr>
+          <p:nvPr>
+            <p:ph type="title"/>
+          </p:nvPr>
+        </p:nvSpPr>
+        <p:spPr/>
+        <p:txBody>
+          <a:bodyPr/>
+          <a:lstStyle/>
+          <a:p>
+            <a:r>
+              <a:rPr lang="en-US" dirty="0" smtClean="0"/>
+              <a:t>Gap filling strategies</a:t>
+            </a:r>
+            <a:endParaRPr lang="en-US" dirty="0"/>
+          </a:p>
+        </p:txBody>
+      </p:sp>
+      <p:sp>
+        <p:nvSpPr>
+          <p:cNvPr id="3" name="Content Placeholder 2"/>
+          <p:cNvSpPr>
+            <a:spLocks noGrp="1"/>
+          </p:cNvSpPr>
+          <p:nvPr>
+            <p:ph idx="1"/>
+          </p:nvPr>
+        </p:nvSpPr>
+        <p:spPr/>
+        <p:txBody>
+          <a:bodyPr/>
+          <a:lstStyle/>
+          <a:p>
+            <a:r>
+              <a:rPr lang="en-US" dirty="0" smtClean="0"/>
+              <a:t>We will gap fill before prediction because of</a:t>
+            </a:r>
+          </a:p>
+          <a:p>
+            <a:pPr lvl="1"/>
+            <a:r>
+              <a:rPr lang="en-US" dirty="0" smtClean="0"/>
+              <a:t>Robustness</a:t>
+            </a:r>
+          </a:p>
+          <a:p>
+            <a:pPr lvl="1"/>
+            <a:r>
+              <a:rPr lang="en-US" dirty="0" smtClean="0"/>
+              <a:t>Less rows to fill</a:t>
+            </a:r>
+          </a:p>
+          <a:p>
+            <a:r>
+              <a:rPr lang="en-US" dirty="0" smtClean="0"/>
+              <a:t>For load we’ll use a daily cluster model for prediction</a:t>
+            </a:r>
+          </a:p>
+          <a:p>
+            <a:r>
+              <a:rPr lang="en-US" dirty="0" smtClean="0"/>
+              <a:t>For weather we’ll use </a:t>
+            </a:r>
+            <a:r>
+              <a:rPr lang="en-US" smtClean="0"/>
+              <a:t>linear interpolation </a:t>
+            </a:r>
+            <a:r>
+              <a:rPr lang="en-US" dirty="0" smtClean="0"/>
+              <a:t>(for now)</a:t>
+            </a:r>
+            <a:endParaRPr lang="en-US" dirty="0"/>
+          </a:p>
+        </p:txBody>
+      </p:sp>
+    </p:spTree>
+    <p:extLst>
+      <p:ext uri="{BB962C8B-B14F-4D97-AF65-F5344CB8AC3E}">
+        <p14:creationId xmlns:p14="http://schemas.microsoft.com/office/powerpoint/2010/main" val="1753646044"/>
+      </p:ext>
+    </p:extLst>
+  </p:cSld>
+  <p:clrMapOvr>
+    <a:masterClrMapping/>
+  </p:clrMapOvr>
+</p:sld>
+</file>
+
 <file path=ppt/slides/slide6.xml><?xml version="1.0" encoding="utf-8"?>
 <p:sld xmlns:a="http://schemas.openxmlformats.org/drawingml/2006/main" xmlns:r="http://schemas.openxmlformats.org/officeDocument/2006/relationships" xmlns:p="http://schemas.openxmlformats.org/presentationml/2006/main">
   <p:cSld>

--- a/architecture/architecture.pptx
+++ b/architecture/architecture.pptx
@@ -5,10 +5,10 @@
     <p:sldMasterId id="2147483662" r:id="rId1"/>
   </p:sldMasterIdLst>
   <p:notesMasterIdLst>
-    <p:notesMasterId r:id="rId60"/>
+    <p:notesMasterId r:id="rId74"/>
   </p:notesMasterIdLst>
   <p:handoutMasterIdLst>
-    <p:handoutMasterId r:id="rId61"/>
+    <p:handoutMasterId r:id="rId75"/>
   </p:handoutMasterIdLst>
   <p:sldIdLst>
     <p:sldId id="294" r:id="rId2"/>
@@ -69,6 +69,20 @@
     <p:sldId id="354" r:id="rId57"/>
     <p:sldId id="355" r:id="rId58"/>
     <p:sldId id="356" r:id="rId59"/>
+    <p:sldId id="357" r:id="rId60"/>
+    <p:sldId id="358" r:id="rId61"/>
+    <p:sldId id="359" r:id="rId62"/>
+    <p:sldId id="360" r:id="rId63"/>
+    <p:sldId id="362" r:id="rId64"/>
+    <p:sldId id="361" r:id="rId65"/>
+    <p:sldId id="363" r:id="rId66"/>
+    <p:sldId id="366" r:id="rId67"/>
+    <p:sldId id="367" r:id="rId68"/>
+    <p:sldId id="369" r:id="rId69"/>
+    <p:sldId id="368" r:id="rId70"/>
+    <p:sldId id="370" r:id="rId71"/>
+    <p:sldId id="371" r:id="rId72"/>
+    <p:sldId id="372" r:id="rId73"/>
   </p:sldIdLst>
   <p:sldSz cx="9144000" cy="6858000" type="screen4x3"/>
   <p:notesSz cx="6797675" cy="9928225"/>
@@ -17341,15 +17355,7 @@
           <a:p>
             <a:r>
               <a:rPr lang="en-US" dirty="0" smtClean="0"/>
-              <a:t>For weather we’ll use </a:t>
-            </a:r>
-            <a:r>
-              <a:rPr lang="en-US" smtClean="0"/>
-              <a:t>linear interpolation </a:t>
-            </a:r>
-            <a:r>
-              <a:rPr lang="en-US" dirty="0" smtClean="0"/>
-              <a:t>(for now)</a:t>
+              <a:t>For weather we’ll use linear interpolation (for now)</a:t>
             </a:r>
             <a:endParaRPr lang="en-US" dirty="0"/>
           </a:p>
@@ -17359,6 +17365,218 @@
     <p:extLst>
       <p:ext uri="{BB962C8B-B14F-4D97-AF65-F5344CB8AC3E}">
         <p14:creationId xmlns:p14="http://schemas.microsoft.com/office/powerpoint/2010/main" val="1753646044"/>
+      </p:ext>
+    </p:extLst>
+  </p:cSld>
+  <p:clrMapOvr>
+    <a:masterClrMapping/>
+  </p:clrMapOvr>
+</p:sld>
+</file>
+
+<file path=ppt/slides/slide59.xml><?xml version="1.0" encoding="utf-8"?>
+<p:sld xmlns:a="http://schemas.openxmlformats.org/drawingml/2006/main" xmlns:r="http://schemas.openxmlformats.org/officeDocument/2006/relationships" xmlns:p="http://schemas.openxmlformats.org/presentationml/2006/main">
+  <p:cSld>
+    <p:spTree>
+      <p:nvGrpSpPr>
+        <p:cNvPr id="1" name=""/>
+        <p:cNvGrpSpPr/>
+        <p:nvPr/>
+      </p:nvGrpSpPr>
+      <p:grpSpPr>
+        <a:xfrm>
+          <a:off x="0" y="0"/>
+          <a:ext cx="0" cy="0"/>
+          <a:chOff x="0" y="0"/>
+          <a:chExt cx="0" cy="0"/>
+        </a:xfrm>
+      </p:grpSpPr>
+      <p:sp>
+        <p:nvSpPr>
+          <p:cNvPr id="2" name="Title 1"/>
+          <p:cNvSpPr>
+            <a:spLocks noGrp="1"/>
+          </p:cNvSpPr>
+          <p:nvPr>
+            <p:ph type="title"/>
+          </p:nvPr>
+        </p:nvSpPr>
+        <p:spPr/>
+        <p:txBody>
+          <a:bodyPr/>
+          <a:lstStyle/>
+          <a:p>
+            <a:r>
+              <a:rPr lang="en-US" dirty="0" smtClean="0"/>
+              <a:t>TODO for Friday 23</a:t>
+            </a:r>
+            <a:r>
+              <a:rPr lang="en-US" baseline="30000" dirty="0" smtClean="0"/>
+              <a:t>rd</a:t>
+            </a:r>
+            <a:r>
+              <a:rPr lang="en-US" dirty="0" smtClean="0"/>
+              <a:t> (3 days)</a:t>
+            </a:r>
+            <a:endParaRPr lang="en-US" dirty="0"/>
+          </a:p>
+        </p:txBody>
+      </p:sp>
+      <p:sp>
+        <p:nvSpPr>
+          <p:cNvPr id="3" name="Content Placeholder 2"/>
+          <p:cNvSpPr>
+            <a:spLocks noGrp="1"/>
+          </p:cNvSpPr>
+          <p:nvPr>
+            <p:ph idx="1"/>
+          </p:nvPr>
+        </p:nvSpPr>
+        <p:spPr/>
+        <p:txBody>
+          <a:bodyPr/>
+          <a:lstStyle/>
+          <a:p>
+            <a:r>
+              <a:rPr lang="en-US" dirty="0" smtClean="0"/>
+              <a:t>Add grouping by days for Shuya </a:t>
+            </a:r>
+            <a:r>
+              <a:rPr lang="en-US" dirty="0" err="1" smtClean="0"/>
+              <a:t>svm</a:t>
+            </a:r>
+            <a:r>
+              <a:rPr lang="en-US" dirty="0" smtClean="0"/>
+              <a:t> -&gt; 1 hour</a:t>
+            </a:r>
+          </a:p>
+          <a:p>
+            <a:r>
+              <a:rPr lang="en-US" dirty="0"/>
+              <a:t>Add gap filling to Shuya </a:t>
+            </a:r>
+            <a:r>
+              <a:rPr lang="en-US" dirty="0" err="1"/>
+              <a:t>svm</a:t>
+            </a:r>
+            <a:r>
+              <a:rPr lang="en-US" dirty="0"/>
+              <a:t> so that it </a:t>
+            </a:r>
+            <a:r>
+              <a:rPr lang="en-US" dirty="0" smtClean="0"/>
+              <a:t>never </a:t>
+            </a:r>
+            <a:r>
+              <a:rPr lang="en-US" dirty="0"/>
+              <a:t>outputs </a:t>
+            </a:r>
+            <a:r>
+              <a:rPr lang="en-US" dirty="0" err="1" smtClean="0"/>
+              <a:t>Nas</a:t>
+            </a:r>
+            <a:r>
+              <a:rPr lang="en-US" dirty="0" smtClean="0"/>
+              <a:t> -&gt; 1 hour</a:t>
+            </a:r>
+          </a:p>
+          <a:p>
+            <a:r>
+              <a:rPr lang="en-US" dirty="0" smtClean="0"/>
+              <a:t>Modify the app so that it shows more information about the iterated algorithms performance -&gt; 2 hours</a:t>
+            </a:r>
+          </a:p>
+          <a:p>
+            <a:pPr lvl="1"/>
+            <a:r>
+              <a:rPr lang="en-US" dirty="0" smtClean="0"/>
+              <a:t>2 tables: one for time perf one for accuracy </a:t>
+            </a:r>
+            <a:r>
+              <a:rPr lang="en-US" dirty="0" err="1" smtClean="0"/>
+              <a:t>perfs</a:t>
+            </a:r>
+            <a:endParaRPr lang="en-US" dirty="0" smtClean="0"/>
+          </a:p>
+          <a:p>
+            <a:r>
+              <a:rPr lang="en-US" dirty="0" smtClean="0"/>
+              <a:t>Put 3-4 years of data from gefcom2017 into CSV format, send to Sasha -&gt; 2 hours</a:t>
+            </a:r>
+          </a:p>
+          <a:p>
+            <a:r>
+              <a:rPr lang="en-US" dirty="0" smtClean="0">
+                <a:solidFill>
+                  <a:srgbClr val="92D050"/>
+                </a:solidFill>
+              </a:rPr>
+              <a:t>Connect </a:t>
+            </a:r>
+            <a:r>
+              <a:rPr lang="en-US" dirty="0">
+                <a:solidFill>
+                  <a:srgbClr val="92D050"/>
+                </a:solidFill>
+              </a:rPr>
+              <a:t>and get data from the </a:t>
+            </a:r>
+            <a:r>
+              <a:rPr lang="en-US" dirty="0" smtClean="0">
+                <a:solidFill>
+                  <a:srgbClr val="92D050"/>
+                </a:solidFill>
+              </a:rPr>
+              <a:t>database -&gt; 3h</a:t>
+            </a:r>
+          </a:p>
+        </p:txBody>
+      </p:sp>
+      <p:pic>
+        <p:nvPicPr>
+          <p:cNvPr id="1026" name="Picture 2" descr="Image result for todo"/>
+          <p:cNvPicPr>
+            <a:picLocks noChangeAspect="1" noChangeArrowheads="1"/>
+          </p:cNvPicPr>
+          <p:nvPr/>
+        </p:nvPicPr>
+        <p:blipFill>
+          <a:blip r:embed="rId2" cstate="print">
+            <a:extLst>
+              <a:ext uri="{28A0092B-C50C-407E-A947-70E740481C1C}">
+                <a14:useLocalDpi xmlns:a14="http://schemas.microsoft.com/office/drawing/2010/main" val="0"/>
+              </a:ext>
+            </a:extLst>
+          </a:blip>
+          <a:srcRect/>
+          <a:stretch>
+            <a:fillRect/>
+          </a:stretch>
+        </p:blipFill>
+        <p:spPr bwMode="auto">
+          <a:xfrm>
+            <a:off x="7377545" y="118110"/>
+            <a:ext cx="1426730" cy="1426730"/>
+          </a:xfrm>
+          <a:prstGeom prst="rect">
+            <a:avLst/>
+          </a:prstGeom>
+          <a:noFill/>
+          <a:extLst>
+            <a:ext uri="{909E8E84-426E-40DD-AFC4-6F175D3DCCD1}">
+              <a14:hiddenFill xmlns:a14="http://schemas.microsoft.com/office/drawing/2010/main">
+                <a:solidFill>
+                  <a:srgbClr val="FFFFFF"/>
+                </a:solidFill>
+              </a14:hiddenFill>
+            </a:ext>
+          </a:extLst>
+        </p:spPr>
+      </p:pic>
+    </p:spTree>
+    <p:extLst>
+      <p:ext uri="{BB962C8B-B14F-4D97-AF65-F5344CB8AC3E}">
+        <p14:creationId xmlns:p14="http://schemas.microsoft.com/office/powerpoint/2010/main" val="3488114296"/>
       </p:ext>
     </p:extLst>
   </p:cSld>
@@ -17518,6 +17736,1825 @@
     <p:extLst>
       <p:ext uri="{BB962C8B-B14F-4D97-AF65-F5344CB8AC3E}">
         <p14:creationId xmlns:p14="http://schemas.microsoft.com/office/powerpoint/2010/main" val="885257109"/>
+      </p:ext>
+    </p:extLst>
+  </p:cSld>
+  <p:clrMapOvr>
+    <a:masterClrMapping/>
+  </p:clrMapOvr>
+</p:sld>
+</file>
+
+<file path=ppt/slides/slide60.xml><?xml version="1.0" encoding="utf-8"?>
+<p:sld xmlns:a="http://schemas.openxmlformats.org/drawingml/2006/main" xmlns:r="http://schemas.openxmlformats.org/officeDocument/2006/relationships" xmlns:p="http://schemas.openxmlformats.org/presentationml/2006/main">
+  <p:cSld>
+    <p:spTree>
+      <p:nvGrpSpPr>
+        <p:cNvPr id="1" name=""/>
+        <p:cNvGrpSpPr/>
+        <p:nvPr/>
+      </p:nvGrpSpPr>
+      <p:grpSpPr>
+        <a:xfrm>
+          <a:off x="0" y="0"/>
+          <a:ext cx="0" cy="0"/>
+          <a:chOff x="0" y="0"/>
+          <a:chExt cx="0" cy="0"/>
+        </a:xfrm>
+      </p:grpSpPr>
+      <p:sp>
+        <p:nvSpPr>
+          <p:cNvPr id="2" name="Title 1"/>
+          <p:cNvSpPr>
+            <a:spLocks noGrp="1"/>
+          </p:cNvSpPr>
+          <p:nvPr>
+            <p:ph type="title"/>
+          </p:nvPr>
+        </p:nvSpPr>
+        <p:spPr/>
+        <p:txBody>
+          <a:bodyPr/>
+          <a:lstStyle/>
+          <a:p>
+            <a:r>
+              <a:rPr lang="en-US" dirty="0" smtClean="0"/>
+              <a:t>TODO for December 31</a:t>
+            </a:r>
+            <a:r>
+              <a:rPr lang="en-US" baseline="30000" dirty="0" smtClean="0"/>
+              <a:t>st</a:t>
+            </a:r>
+            <a:r>
+              <a:rPr lang="en-US" dirty="0" smtClean="0"/>
+              <a:t> (11 days)</a:t>
+            </a:r>
+            <a:endParaRPr lang="en-US" dirty="0"/>
+          </a:p>
+        </p:txBody>
+      </p:sp>
+      <p:sp>
+        <p:nvSpPr>
+          <p:cNvPr id="3" name="Content Placeholder 2"/>
+          <p:cNvSpPr>
+            <a:spLocks noGrp="1"/>
+          </p:cNvSpPr>
+          <p:nvPr>
+            <p:ph idx="1"/>
+          </p:nvPr>
+        </p:nvSpPr>
+        <p:spPr/>
+        <p:txBody>
+          <a:bodyPr/>
+          <a:lstStyle/>
+          <a:p>
+            <a:pPr marL="0" indent="0">
+              <a:buNone/>
+            </a:pPr>
+            <a:r>
+              <a:rPr lang="en-US" dirty="0"/>
+              <a:t>Adapt the algorithms for the competition </a:t>
+            </a:r>
+            <a:r>
+              <a:rPr lang="en-US" dirty="0" smtClean="0"/>
+              <a:t>:</a:t>
+            </a:r>
+            <a:endParaRPr lang="en-US" dirty="0"/>
+          </a:p>
+          <a:p>
+            <a:r>
+              <a:rPr lang="en-US" dirty="0" smtClean="0"/>
+              <a:t>DST</a:t>
+            </a:r>
+          </a:p>
+          <a:p>
+            <a:pPr lvl="1"/>
+            <a:r>
+              <a:rPr lang="en-US" dirty="0" smtClean="0"/>
+              <a:t>Change the core </a:t>
+            </a:r>
+            <a:r>
+              <a:rPr lang="en-US" dirty="0" err="1" smtClean="0"/>
+              <a:t>tse</a:t>
+            </a:r>
+            <a:r>
+              <a:rPr lang="en-US" dirty="0" smtClean="0"/>
+              <a:t> class so that it can accommodate DST</a:t>
+            </a:r>
+          </a:p>
+          <a:p>
+            <a:pPr lvl="1"/>
+            <a:r>
+              <a:rPr lang="en-US" dirty="0" smtClean="0"/>
+              <a:t>Add a </a:t>
+            </a:r>
+            <a:r>
+              <a:rPr lang="en-US" dirty="0" err="1" smtClean="0"/>
+              <a:t>quickfix</a:t>
+            </a:r>
+            <a:endParaRPr lang="en-US" dirty="0" smtClean="0"/>
+          </a:p>
+          <a:p>
+            <a:r>
+              <a:rPr lang="en-US" dirty="0" smtClean="0"/>
+              <a:t>US </a:t>
+            </a:r>
+            <a:r>
+              <a:rPr lang="en-US" dirty="0"/>
+              <a:t>public </a:t>
+            </a:r>
+            <a:r>
+              <a:rPr lang="en-US" dirty="0" smtClean="0"/>
+              <a:t>holidays</a:t>
+            </a:r>
+            <a:endParaRPr lang="en-US" dirty="0"/>
+          </a:p>
+          <a:p>
+            <a:pPr lvl="1"/>
+            <a:r>
+              <a:rPr lang="en-US" dirty="0" smtClean="0"/>
+              <a:t>Write them in the same format as the SG holidays</a:t>
+            </a:r>
+          </a:p>
+          <a:p>
+            <a:pPr lvl="1"/>
+            <a:r>
+              <a:rPr lang="en-US" dirty="0" smtClean="0"/>
+              <a:t>Add a parameter so that a </a:t>
+            </a:r>
+            <a:r>
+              <a:rPr lang="en-US" dirty="0" err="1" smtClean="0"/>
+              <a:t>tse</a:t>
+            </a:r>
+            <a:r>
+              <a:rPr lang="en-US" dirty="0" smtClean="0"/>
+              <a:t> can be loaded according to different </a:t>
+            </a:r>
+            <a:r>
+              <a:rPr lang="en-US" dirty="0" err="1" smtClean="0"/>
+              <a:t>ph</a:t>
+            </a:r>
+            <a:r>
+              <a:rPr lang="en-US" dirty="0" smtClean="0"/>
+              <a:t> and </a:t>
+            </a:r>
+            <a:r>
+              <a:rPr lang="en-US" dirty="0" err="1" smtClean="0"/>
+              <a:t>timezone</a:t>
+            </a:r>
+            <a:endParaRPr lang="en-US" dirty="0" smtClean="0"/>
+          </a:p>
+          <a:p>
+            <a:r>
+              <a:rPr lang="en-US" dirty="0"/>
+              <a:t>long term forecasting</a:t>
+            </a:r>
+          </a:p>
+          <a:p>
+            <a:pPr lvl="1"/>
+            <a:r>
+              <a:rPr lang="en-US" dirty="0"/>
+              <a:t>Need a forecasting algorithm for weather variables</a:t>
+            </a:r>
+          </a:p>
+          <a:p>
+            <a:pPr lvl="1"/>
+            <a:r>
+              <a:rPr lang="en-US" dirty="0"/>
+              <a:t>Then use </a:t>
+            </a:r>
+            <a:r>
+              <a:rPr lang="en-US" dirty="0" err="1"/>
+              <a:t>Shuya’s</a:t>
+            </a:r>
+            <a:r>
+              <a:rPr lang="en-US" dirty="0"/>
+              <a:t> for the </a:t>
+            </a:r>
+            <a:r>
+              <a:rPr lang="en-US" dirty="0" smtClean="0"/>
+              <a:t>load</a:t>
+            </a:r>
+          </a:p>
+          <a:p>
+            <a:pPr lvl="1"/>
+            <a:r>
+              <a:rPr lang="en-US" dirty="0" smtClean="0"/>
+              <a:t>Create new method for pure iteration of a forecasting algorithm</a:t>
+            </a:r>
+          </a:p>
+        </p:txBody>
+      </p:sp>
+      <p:pic>
+        <p:nvPicPr>
+          <p:cNvPr id="4" name="Picture 2" descr="Image result for todo"/>
+          <p:cNvPicPr>
+            <a:picLocks noChangeAspect="1" noChangeArrowheads="1"/>
+          </p:cNvPicPr>
+          <p:nvPr/>
+        </p:nvPicPr>
+        <p:blipFill>
+          <a:blip r:embed="rId2" cstate="print">
+            <a:extLst>
+              <a:ext uri="{28A0092B-C50C-407E-A947-70E740481C1C}">
+                <a14:useLocalDpi xmlns:a14="http://schemas.microsoft.com/office/drawing/2010/main" val="0"/>
+              </a:ext>
+            </a:extLst>
+          </a:blip>
+          <a:srcRect/>
+          <a:stretch>
+            <a:fillRect/>
+          </a:stretch>
+        </p:blipFill>
+        <p:spPr bwMode="auto">
+          <a:xfrm>
+            <a:off x="7377545" y="118110"/>
+            <a:ext cx="1426730" cy="1426730"/>
+          </a:xfrm>
+          <a:prstGeom prst="rect">
+            <a:avLst/>
+          </a:prstGeom>
+          <a:noFill/>
+          <a:extLst>
+            <a:ext uri="{909E8E84-426E-40DD-AFC4-6F175D3DCCD1}">
+              <a14:hiddenFill xmlns:a14="http://schemas.microsoft.com/office/drawing/2010/main">
+                <a:solidFill>
+                  <a:srgbClr val="FFFFFF"/>
+                </a:solidFill>
+              </a14:hiddenFill>
+            </a:ext>
+          </a:extLst>
+        </p:spPr>
+      </p:pic>
+    </p:spTree>
+    <p:extLst>
+      <p:ext uri="{BB962C8B-B14F-4D97-AF65-F5344CB8AC3E}">
+        <p14:creationId xmlns:p14="http://schemas.microsoft.com/office/powerpoint/2010/main" val="421893155"/>
+      </p:ext>
+    </p:extLst>
+  </p:cSld>
+  <p:clrMapOvr>
+    <a:masterClrMapping/>
+  </p:clrMapOvr>
+</p:sld>
+</file>
+
+<file path=ppt/slides/slide61.xml><?xml version="1.0" encoding="utf-8"?>
+<p:sld xmlns:a="http://schemas.openxmlformats.org/drawingml/2006/main" xmlns:r="http://schemas.openxmlformats.org/officeDocument/2006/relationships" xmlns:p="http://schemas.openxmlformats.org/presentationml/2006/main">
+  <p:cSld>
+    <p:spTree>
+      <p:nvGrpSpPr>
+        <p:cNvPr id="1" name=""/>
+        <p:cNvGrpSpPr/>
+        <p:nvPr/>
+      </p:nvGrpSpPr>
+      <p:grpSpPr>
+        <a:xfrm>
+          <a:off x="0" y="0"/>
+          <a:ext cx="0" cy="0"/>
+          <a:chOff x="0" y="0"/>
+          <a:chExt cx="0" cy="0"/>
+        </a:xfrm>
+      </p:grpSpPr>
+      <p:sp>
+        <p:nvSpPr>
+          <p:cNvPr id="2" name="Title 1"/>
+          <p:cNvSpPr>
+            <a:spLocks noGrp="1"/>
+          </p:cNvSpPr>
+          <p:nvPr>
+            <p:ph type="title"/>
+          </p:nvPr>
+        </p:nvSpPr>
+        <p:spPr/>
+        <p:txBody>
+          <a:bodyPr/>
+          <a:lstStyle/>
+          <a:p>
+            <a:r>
+              <a:rPr lang="en-US" dirty="0"/>
+              <a:t>TODO for December 31</a:t>
+            </a:r>
+            <a:r>
+              <a:rPr lang="en-US" baseline="30000" dirty="0"/>
+              <a:t>st</a:t>
+            </a:r>
+            <a:r>
+              <a:rPr lang="en-US" dirty="0"/>
+              <a:t> (11 days</a:t>
+            </a:r>
+            <a:r>
+              <a:rPr lang="en-US" dirty="0" smtClean="0"/>
+              <a:t>): cont’d</a:t>
+            </a:r>
+            <a:endParaRPr lang="en-US" dirty="0"/>
+          </a:p>
+        </p:txBody>
+      </p:sp>
+      <p:sp>
+        <p:nvSpPr>
+          <p:cNvPr id="3" name="Content Placeholder 2"/>
+          <p:cNvSpPr>
+            <a:spLocks noGrp="1"/>
+          </p:cNvSpPr>
+          <p:nvPr>
+            <p:ph idx="1"/>
+          </p:nvPr>
+        </p:nvSpPr>
+        <p:spPr/>
+        <p:txBody>
+          <a:bodyPr/>
+          <a:lstStyle/>
+          <a:p>
+            <a:r>
+              <a:rPr lang="en-US" dirty="0"/>
+              <a:t>confidence interval</a:t>
+            </a:r>
+          </a:p>
+          <a:p>
+            <a:pPr lvl="1"/>
+            <a:r>
+              <a:rPr lang="en-US" dirty="0"/>
+              <a:t>After the algorithm is </a:t>
+            </a:r>
+            <a:r>
+              <a:rPr lang="en-US" dirty="0" smtClean="0"/>
+              <a:t>created</a:t>
+            </a:r>
+          </a:p>
+          <a:p>
+            <a:pPr lvl="1"/>
+            <a:r>
+              <a:rPr lang="en-US" dirty="0" smtClean="0"/>
+              <a:t>Compute the 10 quantiles of the residuals (on test data)</a:t>
+            </a:r>
+          </a:p>
+          <a:p>
+            <a:pPr lvl="1"/>
+            <a:r>
+              <a:rPr lang="en-US" dirty="0" smtClean="0"/>
+              <a:t>Use them as additive windows for the predictions quantiles</a:t>
+            </a:r>
+          </a:p>
+          <a:p>
+            <a:pPr lvl="1"/>
+            <a:r>
+              <a:rPr lang="en-US" dirty="0" smtClean="0"/>
+              <a:t>If have time, do the same but for each hour of the day, so that there is more precision</a:t>
+            </a:r>
+            <a:endParaRPr lang="en-US" dirty="0"/>
+          </a:p>
+          <a:p>
+            <a:r>
+              <a:rPr lang="en-US" dirty="0"/>
+              <a:t>choice of parameters for best results </a:t>
+            </a:r>
+          </a:p>
+          <a:p>
+            <a:pPr lvl="1"/>
+            <a:r>
+              <a:rPr lang="en-US" dirty="0"/>
+              <a:t>Iteration of the algorithm</a:t>
+            </a:r>
+          </a:p>
+          <a:p>
+            <a:endParaRPr lang="en-US" dirty="0"/>
+          </a:p>
+        </p:txBody>
+      </p:sp>
+      <p:pic>
+        <p:nvPicPr>
+          <p:cNvPr id="4" name="Picture 2" descr="Image result for todo"/>
+          <p:cNvPicPr>
+            <a:picLocks noChangeAspect="1" noChangeArrowheads="1"/>
+          </p:cNvPicPr>
+          <p:nvPr/>
+        </p:nvPicPr>
+        <p:blipFill>
+          <a:blip r:embed="rId2" cstate="print">
+            <a:extLst>
+              <a:ext uri="{28A0092B-C50C-407E-A947-70E740481C1C}">
+                <a14:useLocalDpi xmlns:a14="http://schemas.microsoft.com/office/drawing/2010/main" val="0"/>
+              </a:ext>
+            </a:extLst>
+          </a:blip>
+          <a:srcRect/>
+          <a:stretch>
+            <a:fillRect/>
+          </a:stretch>
+        </p:blipFill>
+        <p:spPr bwMode="auto">
+          <a:xfrm>
+            <a:off x="7377545" y="118110"/>
+            <a:ext cx="1426730" cy="1426730"/>
+          </a:xfrm>
+          <a:prstGeom prst="rect">
+            <a:avLst/>
+          </a:prstGeom>
+          <a:noFill/>
+          <a:extLst>
+            <a:ext uri="{909E8E84-426E-40DD-AFC4-6F175D3DCCD1}">
+              <a14:hiddenFill xmlns:a14="http://schemas.microsoft.com/office/drawing/2010/main">
+                <a:solidFill>
+                  <a:srgbClr val="FFFFFF"/>
+                </a:solidFill>
+              </a14:hiddenFill>
+            </a:ext>
+          </a:extLst>
+        </p:spPr>
+      </p:pic>
+    </p:spTree>
+    <p:extLst>
+      <p:ext uri="{BB962C8B-B14F-4D97-AF65-F5344CB8AC3E}">
+        <p14:creationId xmlns:p14="http://schemas.microsoft.com/office/powerpoint/2010/main" val="1981527404"/>
+      </p:ext>
+    </p:extLst>
+  </p:cSld>
+  <p:clrMapOvr>
+    <a:masterClrMapping/>
+  </p:clrMapOvr>
+</p:sld>
+</file>
+
+<file path=ppt/slides/slide62.xml><?xml version="1.0" encoding="utf-8"?>
+<p:sld xmlns:a="http://schemas.openxmlformats.org/drawingml/2006/main" xmlns:r="http://schemas.openxmlformats.org/officeDocument/2006/relationships" xmlns:p="http://schemas.openxmlformats.org/presentationml/2006/main">
+  <p:cSld>
+    <p:spTree>
+      <p:nvGrpSpPr>
+        <p:cNvPr id="1" name=""/>
+        <p:cNvGrpSpPr/>
+        <p:nvPr/>
+      </p:nvGrpSpPr>
+      <p:grpSpPr>
+        <a:xfrm>
+          <a:off x="0" y="0"/>
+          <a:ext cx="0" cy="0"/>
+          <a:chOff x="0" y="0"/>
+          <a:chExt cx="0" cy="0"/>
+        </a:xfrm>
+      </p:grpSpPr>
+      <p:pic>
+        <p:nvPicPr>
+          <p:cNvPr id="2052" name="Picture 4" descr="Image result for validated"/>
+          <p:cNvPicPr>
+            <a:picLocks noChangeAspect="1" noChangeArrowheads="1"/>
+          </p:cNvPicPr>
+          <p:nvPr/>
+        </p:nvPicPr>
+        <p:blipFill>
+          <a:blip r:embed="rId2">
+            <a:extLst>
+              <a:ext uri="{28A0092B-C50C-407E-A947-70E740481C1C}">
+                <a14:useLocalDpi xmlns:a14="http://schemas.microsoft.com/office/drawing/2010/main" val="0"/>
+              </a:ext>
+            </a:extLst>
+          </a:blip>
+          <a:srcRect/>
+          <a:stretch>
+            <a:fillRect/>
+          </a:stretch>
+        </p:blipFill>
+        <p:spPr bwMode="auto">
+          <a:xfrm>
+            <a:off x="6608330" y="66274"/>
+            <a:ext cx="2286000" cy="1905000"/>
+          </a:xfrm>
+          <a:prstGeom prst="rect">
+            <a:avLst/>
+          </a:prstGeom>
+          <a:noFill/>
+          <a:extLst>
+            <a:ext uri="{909E8E84-426E-40DD-AFC4-6F175D3DCCD1}">
+              <a14:hiddenFill xmlns:a14="http://schemas.microsoft.com/office/drawing/2010/main">
+                <a:solidFill>
+                  <a:srgbClr val="FFFFFF"/>
+                </a:solidFill>
+              </a14:hiddenFill>
+            </a:ext>
+          </a:extLst>
+        </p:spPr>
+      </p:pic>
+      <p:sp>
+        <p:nvSpPr>
+          <p:cNvPr id="2" name="Title 1"/>
+          <p:cNvSpPr>
+            <a:spLocks noGrp="1"/>
+          </p:cNvSpPr>
+          <p:nvPr>
+            <p:ph type="title"/>
+          </p:nvPr>
+        </p:nvSpPr>
+        <p:spPr/>
+        <p:txBody>
+          <a:bodyPr/>
+          <a:lstStyle/>
+          <a:p>
+            <a:r>
+              <a:rPr lang="en-US" dirty="0" smtClean="0"/>
+              <a:t>Validation of algorithms</a:t>
+            </a:r>
+            <a:endParaRPr lang="en-US" dirty="0"/>
+          </a:p>
+        </p:txBody>
+      </p:sp>
+      <p:sp>
+        <p:nvSpPr>
+          <p:cNvPr id="3" name="Content Placeholder 2"/>
+          <p:cNvSpPr>
+            <a:spLocks noGrp="1"/>
+          </p:cNvSpPr>
+          <p:nvPr>
+            <p:ph idx="1"/>
+          </p:nvPr>
+        </p:nvSpPr>
+        <p:spPr/>
+        <p:txBody>
+          <a:bodyPr/>
+          <a:lstStyle/>
+          <a:p>
+            <a:r>
+              <a:rPr lang="en-US" dirty="0" smtClean="0"/>
+              <a:t>Different types of algorithms have different</a:t>
+            </a:r>
+            <a:br>
+              <a:rPr lang="en-US" dirty="0" smtClean="0"/>
+            </a:br>
+            <a:r>
+              <a:rPr lang="en-US" dirty="0" smtClean="0"/>
+              <a:t>validation strategies and outputs</a:t>
+            </a:r>
+          </a:p>
+          <a:p>
+            <a:pPr lvl="1"/>
+            <a:r>
+              <a:rPr lang="en-US" b="1" dirty="0" smtClean="0"/>
+              <a:t>Online algorithms </a:t>
+            </a:r>
+            <a:r>
+              <a:rPr lang="en-US" dirty="0" smtClean="0"/>
+              <a:t>do not have test and train sets</a:t>
+            </a:r>
+          </a:p>
+          <a:p>
+            <a:pPr lvl="2"/>
+            <a:r>
+              <a:rPr lang="en-US" dirty="0" smtClean="0"/>
+              <a:t>They do have different accuracy according to how far they predict</a:t>
+            </a:r>
+          </a:p>
+          <a:p>
+            <a:pPr lvl="1"/>
+            <a:r>
+              <a:rPr lang="en-US" b="1" dirty="0" smtClean="0"/>
+              <a:t>Non-forecasting algorithms </a:t>
+            </a:r>
+            <a:r>
+              <a:rPr lang="en-US" dirty="0" smtClean="0"/>
+              <a:t>always have the same accuracy no matter how far they predict? Or at least they cannot be iterated</a:t>
+            </a:r>
+          </a:p>
+          <a:p>
+            <a:pPr lvl="1"/>
+            <a:r>
+              <a:rPr lang="en-US" b="1" dirty="0" smtClean="0"/>
+              <a:t>Forecasting algorithms</a:t>
+            </a:r>
+            <a:r>
+              <a:rPr lang="en-US" dirty="0" smtClean="0"/>
+              <a:t> have different values for different forecasting step: 1step, … </a:t>
+            </a:r>
+            <a:r>
+              <a:rPr lang="en-US" dirty="0" err="1" smtClean="0"/>
+              <a:t>nstep</a:t>
+            </a:r>
+            <a:endParaRPr lang="en-US" dirty="0" smtClean="0"/>
+          </a:p>
+          <a:p>
+            <a:pPr lvl="1"/>
+            <a:r>
+              <a:rPr lang="en-US" b="1" dirty="0" smtClean="0"/>
+              <a:t>Gap filling</a:t>
+            </a:r>
+          </a:p>
+          <a:p>
+            <a:pPr lvl="2"/>
+            <a:r>
+              <a:rPr lang="en-US" dirty="0" smtClean="0"/>
+              <a:t>No test and train</a:t>
+            </a:r>
+          </a:p>
+          <a:p>
+            <a:pPr lvl="2"/>
+            <a:r>
+              <a:rPr lang="en-US" dirty="0" smtClean="0"/>
+              <a:t>Can be compared only on available values</a:t>
+            </a:r>
+          </a:p>
+          <a:p>
+            <a:pPr lvl="1"/>
+            <a:r>
+              <a:rPr lang="en-US" dirty="0" smtClean="0"/>
+              <a:t>Time-series </a:t>
+            </a:r>
+            <a:r>
+              <a:rPr lang="en-US" b="1" dirty="0" smtClean="0"/>
+              <a:t>component decomposition</a:t>
+            </a:r>
+          </a:p>
+          <a:p>
+            <a:pPr lvl="1"/>
+            <a:r>
+              <a:rPr lang="en-US" b="1" dirty="0" smtClean="0"/>
+              <a:t>Clustering</a:t>
+            </a:r>
+            <a:r>
+              <a:rPr lang="en-US" dirty="0" smtClean="0"/>
+              <a:t> algorithm</a:t>
+            </a:r>
+          </a:p>
+        </p:txBody>
+      </p:sp>
+    </p:spTree>
+    <p:extLst>
+      <p:ext uri="{BB962C8B-B14F-4D97-AF65-F5344CB8AC3E}">
+        <p14:creationId xmlns:p14="http://schemas.microsoft.com/office/powerpoint/2010/main" val="1393881304"/>
+      </p:ext>
+    </p:extLst>
+  </p:cSld>
+  <p:clrMapOvr>
+    <a:masterClrMapping/>
+  </p:clrMapOvr>
+</p:sld>
+</file>
+
+<file path=ppt/slides/slide63.xml><?xml version="1.0" encoding="utf-8"?>
+<p:sld xmlns:a="http://schemas.openxmlformats.org/drawingml/2006/main" xmlns:r="http://schemas.openxmlformats.org/officeDocument/2006/relationships" xmlns:p="http://schemas.openxmlformats.org/presentationml/2006/main">
+  <p:cSld>
+    <p:spTree>
+      <p:nvGrpSpPr>
+        <p:cNvPr id="1" name=""/>
+        <p:cNvGrpSpPr/>
+        <p:nvPr/>
+      </p:nvGrpSpPr>
+      <p:grpSpPr>
+        <a:xfrm>
+          <a:off x="0" y="0"/>
+          <a:ext cx="0" cy="0"/>
+          <a:chOff x="0" y="0"/>
+          <a:chExt cx="0" cy="0"/>
+        </a:xfrm>
+      </p:grpSpPr>
+      <p:pic>
+        <p:nvPicPr>
+          <p:cNvPr id="4" name="Picture 4" descr="Image result for validated"/>
+          <p:cNvPicPr>
+            <a:picLocks noChangeAspect="1" noChangeArrowheads="1"/>
+          </p:cNvPicPr>
+          <p:nvPr/>
+        </p:nvPicPr>
+        <p:blipFill>
+          <a:blip r:embed="rId2">
+            <a:extLst>
+              <a:ext uri="{28A0092B-C50C-407E-A947-70E740481C1C}">
+                <a14:useLocalDpi xmlns:a14="http://schemas.microsoft.com/office/drawing/2010/main" val="0"/>
+              </a:ext>
+            </a:extLst>
+          </a:blip>
+          <a:srcRect/>
+          <a:stretch>
+            <a:fillRect/>
+          </a:stretch>
+        </p:blipFill>
+        <p:spPr bwMode="auto">
+          <a:xfrm>
+            <a:off x="6608330" y="66274"/>
+            <a:ext cx="2286000" cy="1905000"/>
+          </a:xfrm>
+          <a:prstGeom prst="rect">
+            <a:avLst/>
+          </a:prstGeom>
+          <a:noFill/>
+          <a:extLst>
+            <a:ext uri="{909E8E84-426E-40DD-AFC4-6F175D3DCCD1}">
+              <a14:hiddenFill xmlns:a14="http://schemas.microsoft.com/office/drawing/2010/main">
+                <a:solidFill>
+                  <a:srgbClr val="FFFFFF"/>
+                </a:solidFill>
+              </a14:hiddenFill>
+            </a:ext>
+          </a:extLst>
+        </p:spPr>
+      </p:pic>
+      <p:sp>
+        <p:nvSpPr>
+          <p:cNvPr id="2" name="Title 1"/>
+          <p:cNvSpPr>
+            <a:spLocks noGrp="1"/>
+          </p:cNvSpPr>
+          <p:nvPr>
+            <p:ph type="title"/>
+          </p:nvPr>
+        </p:nvSpPr>
+        <p:spPr/>
+        <p:txBody>
+          <a:bodyPr/>
+          <a:lstStyle/>
+          <a:p>
+            <a:r>
+              <a:rPr lang="en-US" dirty="0"/>
+              <a:t>Validation of </a:t>
+            </a:r>
+            <a:r>
+              <a:rPr lang="en-US" dirty="0" smtClean="0"/>
+              <a:t>algorithms : list of algorithms</a:t>
+            </a:r>
+            <a:br>
+              <a:rPr lang="en-US" dirty="0" smtClean="0"/>
+            </a:br>
+            <a:r>
+              <a:rPr lang="en-US" dirty="0" smtClean="0"/>
+              <a:t>continued</a:t>
+            </a:r>
+            <a:endParaRPr lang="en-US" dirty="0"/>
+          </a:p>
+        </p:txBody>
+      </p:sp>
+      <p:sp>
+        <p:nvSpPr>
+          <p:cNvPr id="3" name="Content Placeholder 2"/>
+          <p:cNvSpPr>
+            <a:spLocks noGrp="1"/>
+          </p:cNvSpPr>
+          <p:nvPr>
+            <p:ph idx="1"/>
+          </p:nvPr>
+        </p:nvSpPr>
+        <p:spPr/>
+        <p:txBody>
+          <a:bodyPr/>
+          <a:lstStyle/>
+          <a:p>
+            <a:r>
+              <a:rPr lang="en-US" b="1" dirty="0" smtClean="0"/>
+              <a:t>Outliers</a:t>
+            </a:r>
+            <a:r>
+              <a:rPr lang="en-US" dirty="0" smtClean="0"/>
+              <a:t> detection</a:t>
+            </a:r>
+          </a:p>
+          <a:p>
+            <a:r>
+              <a:rPr lang="en-US" b="1" dirty="0" smtClean="0"/>
+              <a:t>Fault</a:t>
+            </a:r>
+            <a:r>
+              <a:rPr lang="en-US" dirty="0" smtClean="0"/>
+              <a:t> detection</a:t>
+            </a:r>
+            <a:endParaRPr lang="en-US" dirty="0"/>
+          </a:p>
+        </p:txBody>
+      </p:sp>
+    </p:spTree>
+    <p:extLst>
+      <p:ext uri="{BB962C8B-B14F-4D97-AF65-F5344CB8AC3E}">
+        <p14:creationId xmlns:p14="http://schemas.microsoft.com/office/powerpoint/2010/main" val="2726230405"/>
+      </p:ext>
+    </p:extLst>
+  </p:cSld>
+  <p:clrMapOvr>
+    <a:masterClrMapping/>
+  </p:clrMapOvr>
+</p:sld>
+</file>
+
+<file path=ppt/slides/slide64.xml><?xml version="1.0" encoding="utf-8"?>
+<p:sld xmlns:a="http://schemas.openxmlformats.org/drawingml/2006/main" xmlns:r="http://schemas.openxmlformats.org/officeDocument/2006/relationships" xmlns:p="http://schemas.openxmlformats.org/presentationml/2006/main">
+  <p:cSld>
+    <p:spTree>
+      <p:nvGrpSpPr>
+        <p:cNvPr id="1" name=""/>
+        <p:cNvGrpSpPr/>
+        <p:nvPr/>
+      </p:nvGrpSpPr>
+      <p:grpSpPr>
+        <a:xfrm>
+          <a:off x="0" y="0"/>
+          <a:ext cx="0" cy="0"/>
+          <a:chOff x="0" y="0"/>
+          <a:chExt cx="0" cy="0"/>
+        </a:xfrm>
+      </p:grpSpPr>
+      <p:sp>
+        <p:nvSpPr>
+          <p:cNvPr id="2" name="Title 1"/>
+          <p:cNvSpPr>
+            <a:spLocks noGrp="1"/>
+          </p:cNvSpPr>
+          <p:nvPr>
+            <p:ph type="title"/>
+          </p:nvPr>
+        </p:nvSpPr>
+        <p:spPr/>
+        <p:txBody>
+          <a:bodyPr/>
+          <a:lstStyle/>
+          <a:p>
+            <a:r>
+              <a:rPr lang="en-US" dirty="0" smtClean="0"/>
+              <a:t>Validation of algorithms</a:t>
+            </a:r>
+            <a:endParaRPr lang="en-US" dirty="0"/>
+          </a:p>
+        </p:txBody>
+      </p:sp>
+      <p:sp>
+        <p:nvSpPr>
+          <p:cNvPr id="3" name="Content Placeholder 2"/>
+          <p:cNvSpPr>
+            <a:spLocks noGrp="1"/>
+          </p:cNvSpPr>
+          <p:nvPr>
+            <p:ph idx="1"/>
+          </p:nvPr>
+        </p:nvSpPr>
+        <p:spPr/>
+        <p:txBody>
+          <a:bodyPr/>
+          <a:lstStyle/>
+          <a:p>
+            <a:r>
+              <a:rPr lang="en-US" dirty="0" smtClean="0"/>
+              <a:t>R interface</a:t>
+            </a:r>
+          </a:p>
+          <a:p>
+            <a:pPr lvl="1"/>
+            <a:r>
+              <a:rPr lang="en-US" dirty="0" smtClean="0"/>
+              <a:t>One summary function</a:t>
+            </a:r>
+          </a:p>
+          <a:p>
+            <a:pPr lvl="2"/>
+            <a:r>
+              <a:rPr lang="en-US" dirty="0" smtClean="0"/>
+              <a:t>What was the call, the parameters</a:t>
+            </a:r>
+          </a:p>
+          <a:p>
+            <a:pPr lvl="2"/>
+            <a:r>
+              <a:rPr lang="en-US" dirty="0" smtClean="0"/>
+              <a:t>Some information about the results</a:t>
+            </a:r>
+          </a:p>
+          <a:p>
+            <a:pPr lvl="2"/>
+            <a:r>
+              <a:rPr lang="en-US" dirty="0" smtClean="0"/>
+              <a:t>Other</a:t>
+            </a:r>
+          </a:p>
+          <a:p>
+            <a:pPr lvl="1"/>
+            <a:r>
+              <a:rPr lang="en-US" dirty="0" smtClean="0"/>
+              <a:t>Information about the speed</a:t>
+            </a:r>
+          </a:p>
+          <a:p>
+            <a:pPr lvl="1"/>
+            <a:r>
+              <a:rPr lang="en-US" dirty="0" smtClean="0"/>
+              <a:t>Information about the performance</a:t>
+            </a:r>
+          </a:p>
+          <a:p>
+            <a:r>
+              <a:rPr lang="en-US" dirty="0" smtClean="0"/>
+              <a:t>Shiny interface</a:t>
+            </a:r>
+          </a:p>
+          <a:p>
+            <a:pPr lvl="1"/>
+            <a:r>
+              <a:rPr lang="en-US" dirty="0" smtClean="0"/>
+              <a:t>One summary function</a:t>
+            </a:r>
+          </a:p>
+          <a:p>
+            <a:pPr lvl="1"/>
+            <a:r>
+              <a:rPr lang="en-US" dirty="0"/>
+              <a:t>4</a:t>
+            </a:r>
+            <a:r>
+              <a:rPr lang="en-US" dirty="0" smtClean="0"/>
+              <a:t> types of outputs</a:t>
+            </a:r>
+          </a:p>
+          <a:p>
+            <a:pPr lvl="2"/>
+            <a:r>
+              <a:rPr lang="en-US" dirty="0" smtClean="0"/>
+              <a:t>1 fixed UI</a:t>
+            </a:r>
+          </a:p>
+          <a:p>
+            <a:pPr lvl="2"/>
+            <a:r>
+              <a:rPr lang="en-US" dirty="0" smtClean="0"/>
+              <a:t>A (named) list of </a:t>
+            </a:r>
+            <a:r>
+              <a:rPr lang="en-US" dirty="0" err="1" smtClean="0"/>
+              <a:t>data.frame</a:t>
+            </a:r>
+            <a:endParaRPr lang="en-US" dirty="0" smtClean="0"/>
+          </a:p>
+          <a:p>
+            <a:pPr lvl="2"/>
+            <a:r>
+              <a:rPr lang="en-US" dirty="0" smtClean="0"/>
+              <a:t>A (named) list of ggplot2 objects</a:t>
+            </a:r>
+          </a:p>
+          <a:p>
+            <a:pPr lvl="2"/>
+            <a:endParaRPr lang="en-US" dirty="0" smtClean="0"/>
+          </a:p>
+          <a:p>
+            <a:pPr lvl="1"/>
+            <a:endParaRPr lang="en-US" dirty="0"/>
+          </a:p>
+        </p:txBody>
+      </p:sp>
+      <p:pic>
+        <p:nvPicPr>
+          <p:cNvPr id="4" name="Picture 4" descr="Image result for validated"/>
+          <p:cNvPicPr>
+            <a:picLocks noChangeAspect="1" noChangeArrowheads="1"/>
+          </p:cNvPicPr>
+          <p:nvPr/>
+        </p:nvPicPr>
+        <p:blipFill>
+          <a:blip r:embed="rId2">
+            <a:extLst>
+              <a:ext uri="{28A0092B-C50C-407E-A947-70E740481C1C}">
+                <a14:useLocalDpi xmlns:a14="http://schemas.microsoft.com/office/drawing/2010/main" val="0"/>
+              </a:ext>
+            </a:extLst>
+          </a:blip>
+          <a:srcRect/>
+          <a:stretch>
+            <a:fillRect/>
+          </a:stretch>
+        </p:blipFill>
+        <p:spPr bwMode="auto">
+          <a:xfrm>
+            <a:off x="6608330" y="66274"/>
+            <a:ext cx="2286000" cy="1905000"/>
+          </a:xfrm>
+          <a:prstGeom prst="rect">
+            <a:avLst/>
+          </a:prstGeom>
+          <a:noFill/>
+          <a:extLst>
+            <a:ext uri="{909E8E84-426E-40DD-AFC4-6F175D3DCCD1}">
+              <a14:hiddenFill xmlns:a14="http://schemas.microsoft.com/office/drawing/2010/main">
+                <a:solidFill>
+                  <a:srgbClr val="FFFFFF"/>
+                </a:solidFill>
+              </a14:hiddenFill>
+            </a:ext>
+          </a:extLst>
+        </p:spPr>
+      </p:pic>
+    </p:spTree>
+    <p:extLst>
+      <p:ext uri="{BB962C8B-B14F-4D97-AF65-F5344CB8AC3E}">
+        <p14:creationId xmlns:p14="http://schemas.microsoft.com/office/powerpoint/2010/main" val="716721163"/>
+      </p:ext>
+    </p:extLst>
+  </p:cSld>
+  <p:clrMapOvr>
+    <a:masterClrMapping/>
+  </p:clrMapOvr>
+</p:sld>
+</file>
+
+<file path=ppt/slides/slide65.xml><?xml version="1.0" encoding="utf-8"?>
+<p:sld xmlns:a="http://schemas.openxmlformats.org/drawingml/2006/main" xmlns:r="http://schemas.openxmlformats.org/officeDocument/2006/relationships" xmlns:p="http://schemas.openxmlformats.org/presentationml/2006/main">
+  <p:cSld>
+    <p:spTree>
+      <p:nvGrpSpPr>
+        <p:cNvPr id="1" name=""/>
+        <p:cNvGrpSpPr/>
+        <p:nvPr/>
+      </p:nvGrpSpPr>
+      <p:grpSpPr>
+        <a:xfrm>
+          <a:off x="0" y="0"/>
+          <a:ext cx="0" cy="0"/>
+          <a:chOff x="0" y="0"/>
+          <a:chExt cx="0" cy="0"/>
+        </a:xfrm>
+      </p:grpSpPr>
+      <p:sp>
+        <p:nvSpPr>
+          <p:cNvPr id="2" name="Title 1"/>
+          <p:cNvSpPr>
+            <a:spLocks noGrp="1"/>
+          </p:cNvSpPr>
+          <p:nvPr>
+            <p:ph type="title"/>
+          </p:nvPr>
+        </p:nvSpPr>
+        <p:spPr/>
+        <p:txBody>
+          <a:bodyPr/>
+          <a:lstStyle/>
+          <a:p>
+            <a:r>
+              <a:rPr lang="en-US" dirty="0" smtClean="0"/>
+              <a:t>Prediction</a:t>
+            </a:r>
+            <a:endParaRPr lang="en-US" dirty="0"/>
+          </a:p>
+        </p:txBody>
+      </p:sp>
+      <p:sp>
+        <p:nvSpPr>
+          <p:cNvPr id="3" name="Content Placeholder 2"/>
+          <p:cNvSpPr>
+            <a:spLocks noGrp="1"/>
+          </p:cNvSpPr>
+          <p:nvPr>
+            <p:ph idx="1"/>
+          </p:nvPr>
+        </p:nvSpPr>
+        <p:spPr/>
+        <p:txBody>
+          <a:bodyPr/>
+          <a:lstStyle/>
+          <a:p>
+            <a:r>
+              <a:rPr lang="en-US" dirty="0" smtClean="0"/>
+              <a:t>Input</a:t>
+            </a:r>
+          </a:p>
+          <a:p>
+            <a:pPr lvl="1"/>
+            <a:r>
+              <a:rPr lang="en-US" dirty="0" smtClean="0"/>
+              <a:t>TSE object with missing values -&gt; use diagonal</a:t>
+            </a:r>
+            <a:endParaRPr lang="en-US" dirty="0"/>
+          </a:p>
+        </p:txBody>
+      </p:sp>
+    </p:spTree>
+    <p:extLst>
+      <p:ext uri="{BB962C8B-B14F-4D97-AF65-F5344CB8AC3E}">
+        <p14:creationId xmlns:p14="http://schemas.microsoft.com/office/powerpoint/2010/main" val="3897364995"/>
+      </p:ext>
+    </p:extLst>
+  </p:cSld>
+  <p:clrMapOvr>
+    <a:masterClrMapping/>
+  </p:clrMapOvr>
+</p:sld>
+</file>
+
+<file path=ppt/slides/slide66.xml><?xml version="1.0" encoding="utf-8"?>
+<p:sld xmlns:a="http://schemas.openxmlformats.org/drawingml/2006/main" xmlns:r="http://schemas.openxmlformats.org/officeDocument/2006/relationships" xmlns:p="http://schemas.openxmlformats.org/presentationml/2006/main">
+  <p:cSld>
+    <p:spTree>
+      <p:nvGrpSpPr>
+        <p:cNvPr id="1" name=""/>
+        <p:cNvGrpSpPr/>
+        <p:nvPr/>
+      </p:nvGrpSpPr>
+      <p:grpSpPr>
+        <a:xfrm>
+          <a:off x="0" y="0"/>
+          <a:ext cx="0" cy="0"/>
+          <a:chOff x="0" y="0"/>
+          <a:chExt cx="0" cy="0"/>
+        </a:xfrm>
+      </p:grpSpPr>
+      <p:pic>
+        <p:nvPicPr>
+          <p:cNvPr id="5122" name="Picture 2" descr="Image result for time series"/>
+          <p:cNvPicPr>
+            <a:picLocks noChangeAspect="1" noChangeArrowheads="1"/>
+          </p:cNvPicPr>
+          <p:nvPr/>
+        </p:nvPicPr>
+        <p:blipFill>
+          <a:blip r:embed="rId2">
+            <a:extLst>
+              <a:ext uri="{28A0092B-C50C-407E-A947-70E740481C1C}">
+                <a14:useLocalDpi xmlns:a14="http://schemas.microsoft.com/office/drawing/2010/main" val="0"/>
+              </a:ext>
+            </a:extLst>
+          </a:blip>
+          <a:srcRect/>
+          <a:stretch>
+            <a:fillRect/>
+          </a:stretch>
+        </p:blipFill>
+        <p:spPr bwMode="auto">
+          <a:xfrm>
+            <a:off x="6335800" y="14364"/>
+            <a:ext cx="2558819" cy="1467652"/>
+          </a:xfrm>
+          <a:prstGeom prst="rect">
+            <a:avLst/>
+          </a:prstGeom>
+          <a:noFill/>
+          <a:extLst>
+            <a:ext uri="{909E8E84-426E-40DD-AFC4-6F175D3DCCD1}">
+              <a14:hiddenFill xmlns:a14="http://schemas.microsoft.com/office/drawing/2010/main">
+                <a:solidFill>
+                  <a:srgbClr val="FFFFFF"/>
+                </a:solidFill>
+              </a14:hiddenFill>
+            </a:ext>
+          </a:extLst>
+        </p:spPr>
+      </p:pic>
+      <p:sp>
+        <p:nvSpPr>
+          <p:cNvPr id="2" name="Title 1"/>
+          <p:cNvSpPr>
+            <a:spLocks noGrp="1"/>
+          </p:cNvSpPr>
+          <p:nvPr>
+            <p:ph type="title"/>
+          </p:nvPr>
+        </p:nvSpPr>
+        <p:spPr/>
+        <p:txBody>
+          <a:bodyPr/>
+          <a:lstStyle/>
+          <a:p>
+            <a:r>
+              <a:rPr lang="en-US" dirty="0" err="1" smtClean="0"/>
+              <a:t>Tse</a:t>
+            </a:r>
+            <a:r>
+              <a:rPr lang="en-US" dirty="0" smtClean="0"/>
+              <a:t> base class</a:t>
+            </a:r>
+            <a:endParaRPr lang="en-US" dirty="0"/>
+          </a:p>
+        </p:txBody>
+      </p:sp>
+      <p:sp>
+        <p:nvSpPr>
+          <p:cNvPr id="3" name="Content Placeholder 2"/>
+          <p:cNvSpPr>
+            <a:spLocks noGrp="1"/>
+          </p:cNvSpPr>
+          <p:nvPr>
+            <p:ph idx="1"/>
+          </p:nvPr>
+        </p:nvSpPr>
+        <p:spPr/>
+        <p:txBody>
+          <a:bodyPr/>
+          <a:lstStyle/>
+          <a:p>
+            <a:r>
+              <a:rPr lang="en-US" dirty="0" err="1" smtClean="0"/>
+              <a:t>Todo</a:t>
+            </a:r>
+            <a:r>
+              <a:rPr lang="en-US" dirty="0" smtClean="0"/>
+              <a:t>:</a:t>
+            </a:r>
+          </a:p>
+          <a:p>
+            <a:pPr lvl="1"/>
+            <a:r>
+              <a:rPr lang="en-US" dirty="0" smtClean="0"/>
+              <a:t>Remove </a:t>
+            </a:r>
+            <a:r>
+              <a:rPr lang="en-US" dirty="0" err="1" smtClean="0"/>
+              <a:t>data.frame</a:t>
+            </a:r>
+            <a:r>
+              <a:rPr lang="en-US" dirty="0" smtClean="0"/>
+              <a:t> attribute</a:t>
+            </a:r>
+          </a:p>
+          <a:p>
+            <a:pPr lvl="1"/>
+            <a:r>
+              <a:rPr lang="en-US" dirty="0" smtClean="0"/>
+              <a:t>Define missing indexing and assignment functions</a:t>
+            </a:r>
+          </a:p>
+          <a:p>
+            <a:pPr lvl="1"/>
+            <a:r>
+              <a:rPr lang="en-US" dirty="0" smtClean="0"/>
+              <a:t>Add tests of all functions: especially the indexation and assignment ones.</a:t>
+            </a:r>
+          </a:p>
+          <a:p>
+            <a:pPr lvl="1"/>
+            <a:r>
+              <a:rPr lang="en-US" dirty="0" smtClean="0"/>
+              <a:t>Find a coherent indexation scheme</a:t>
+            </a:r>
+            <a:endParaRPr lang="en-US" dirty="0"/>
+          </a:p>
+        </p:txBody>
+      </p:sp>
+    </p:spTree>
+    <p:extLst>
+      <p:ext uri="{BB962C8B-B14F-4D97-AF65-F5344CB8AC3E}">
+        <p14:creationId xmlns:p14="http://schemas.microsoft.com/office/powerpoint/2010/main" val="2005280631"/>
+      </p:ext>
+    </p:extLst>
+  </p:cSld>
+  <p:clrMapOvr>
+    <a:masterClrMapping/>
+  </p:clrMapOvr>
+</p:sld>
+</file>
+
+<file path=ppt/slides/slide67.xml><?xml version="1.0" encoding="utf-8"?>
+<p:sld xmlns:a="http://schemas.openxmlformats.org/drawingml/2006/main" xmlns:r="http://schemas.openxmlformats.org/officeDocument/2006/relationships" xmlns:p="http://schemas.openxmlformats.org/presentationml/2006/main">
+  <p:cSld>
+    <p:spTree>
+      <p:nvGrpSpPr>
+        <p:cNvPr id="1" name=""/>
+        <p:cNvGrpSpPr/>
+        <p:nvPr/>
+      </p:nvGrpSpPr>
+      <p:grpSpPr>
+        <a:xfrm>
+          <a:off x="0" y="0"/>
+          <a:ext cx="0" cy="0"/>
+          <a:chOff x="0" y="0"/>
+          <a:chExt cx="0" cy="0"/>
+        </a:xfrm>
+      </p:grpSpPr>
+      <p:pic>
+        <p:nvPicPr>
+          <p:cNvPr id="5122" name="Picture 2" descr="Image result for time series"/>
+          <p:cNvPicPr>
+            <a:picLocks noChangeAspect="1" noChangeArrowheads="1"/>
+          </p:cNvPicPr>
+          <p:nvPr/>
+        </p:nvPicPr>
+        <p:blipFill>
+          <a:blip r:embed="rId2">
+            <a:extLst>
+              <a:ext uri="{28A0092B-C50C-407E-A947-70E740481C1C}">
+                <a14:useLocalDpi xmlns:a14="http://schemas.microsoft.com/office/drawing/2010/main" val="0"/>
+              </a:ext>
+            </a:extLst>
+          </a:blip>
+          <a:srcRect/>
+          <a:stretch>
+            <a:fillRect/>
+          </a:stretch>
+        </p:blipFill>
+        <p:spPr bwMode="auto">
+          <a:xfrm>
+            <a:off x="6335800" y="14364"/>
+            <a:ext cx="2558819" cy="1467652"/>
+          </a:xfrm>
+          <a:prstGeom prst="rect">
+            <a:avLst/>
+          </a:prstGeom>
+          <a:noFill/>
+          <a:extLst>
+            <a:ext uri="{909E8E84-426E-40DD-AFC4-6F175D3DCCD1}">
+              <a14:hiddenFill xmlns:a14="http://schemas.microsoft.com/office/drawing/2010/main">
+                <a:solidFill>
+                  <a:srgbClr val="FFFFFF"/>
+                </a:solidFill>
+              </a14:hiddenFill>
+            </a:ext>
+          </a:extLst>
+        </p:spPr>
+      </p:pic>
+      <p:sp>
+        <p:nvSpPr>
+          <p:cNvPr id="2" name="Title 1"/>
+          <p:cNvSpPr>
+            <a:spLocks noGrp="1"/>
+          </p:cNvSpPr>
+          <p:nvPr>
+            <p:ph type="title"/>
+          </p:nvPr>
+        </p:nvSpPr>
+        <p:spPr/>
+        <p:txBody>
+          <a:bodyPr/>
+          <a:lstStyle/>
+          <a:p>
+            <a:r>
+              <a:rPr lang="en-US" dirty="0" smtClean="0"/>
+              <a:t>Indexation of time series</a:t>
+            </a:r>
+            <a:endParaRPr lang="en-US" dirty="0"/>
+          </a:p>
+        </p:txBody>
+      </p:sp>
+      <p:sp>
+        <p:nvSpPr>
+          <p:cNvPr id="3" name="Content Placeholder 2"/>
+          <p:cNvSpPr>
+            <a:spLocks noGrp="1"/>
+          </p:cNvSpPr>
+          <p:nvPr>
+            <p:ph idx="1"/>
+          </p:nvPr>
+        </p:nvSpPr>
+        <p:spPr/>
+        <p:txBody>
+          <a:bodyPr/>
+          <a:lstStyle/>
+          <a:p>
+            <a:r>
+              <a:rPr lang="en-US" dirty="0" smtClean="0"/>
+              <a:t>Constraints</a:t>
+            </a:r>
+          </a:p>
+          <a:p>
+            <a:pPr lvl="1"/>
+            <a:r>
+              <a:rPr lang="en-US" dirty="0" smtClean="0"/>
+              <a:t>Must be able to handle DST??</a:t>
+            </a:r>
+          </a:p>
+          <a:p>
+            <a:pPr lvl="1"/>
+            <a:r>
+              <a:rPr lang="en-US" dirty="0" smtClean="0"/>
+              <a:t>Multi-key time index -&gt; sometimes want to index by timestamp = 1 key index, sometimes want to index by day plus </a:t>
+            </a:r>
+            <a:r>
+              <a:rPr lang="en-US" dirty="0" err="1" smtClean="0"/>
+              <a:t>period_in_day</a:t>
+            </a:r>
+            <a:r>
+              <a:rPr lang="en-US" dirty="0" smtClean="0"/>
+              <a:t> = 2 keys index, in the future 3 keys index?</a:t>
+            </a:r>
+          </a:p>
+          <a:p>
+            <a:pPr lvl="1"/>
+            <a:r>
+              <a:rPr lang="en-US" dirty="0" smtClean="0"/>
+              <a:t>Handling of different time intervals</a:t>
+            </a:r>
+          </a:p>
+          <a:p>
+            <a:pPr lvl="1"/>
+            <a:r>
+              <a:rPr lang="en-US" dirty="0" smtClean="0"/>
+              <a:t>Handling of different time decorations</a:t>
+            </a:r>
+          </a:p>
+          <a:p>
+            <a:r>
+              <a:rPr lang="en-US" dirty="0" smtClean="0"/>
+              <a:t>Solution</a:t>
+            </a:r>
+          </a:p>
+          <a:p>
+            <a:pPr lvl="1"/>
+            <a:r>
+              <a:rPr lang="en-US" dirty="0" smtClean="0"/>
+              <a:t>One double time-index (=</a:t>
+            </a:r>
+            <a:r>
+              <a:rPr lang="en-US" dirty="0" err="1" smtClean="0"/>
+              <a:t>POSIXct</a:t>
+            </a:r>
+            <a:r>
+              <a:rPr lang="en-US" dirty="0" smtClean="0"/>
+              <a:t>) all the other columns are considered value columns -&gt; becomes very similar to </a:t>
+            </a:r>
+            <a:r>
+              <a:rPr lang="en-US" dirty="0" err="1" smtClean="0"/>
+              <a:t>ts</a:t>
+            </a:r>
+            <a:r>
+              <a:rPr lang="en-US" dirty="0" smtClean="0"/>
+              <a:t> and </a:t>
+            </a:r>
+            <a:r>
+              <a:rPr lang="en-US" dirty="0" err="1" smtClean="0"/>
+              <a:t>mts</a:t>
+            </a:r>
+            <a:r>
+              <a:rPr lang="en-US" dirty="0" smtClean="0"/>
+              <a:t> class -&gt; is it possible to merge them?</a:t>
+            </a:r>
+          </a:p>
+          <a:p>
+            <a:pPr lvl="1"/>
+            <a:r>
+              <a:rPr lang="en-US" dirty="0" smtClean="0"/>
+              <a:t>For multi-index of time. </a:t>
+            </a:r>
+          </a:p>
+          <a:p>
+            <a:pPr lvl="1"/>
+            <a:endParaRPr lang="en-US" dirty="0"/>
+          </a:p>
+        </p:txBody>
+      </p:sp>
+    </p:spTree>
+    <p:extLst>
+      <p:ext uri="{BB962C8B-B14F-4D97-AF65-F5344CB8AC3E}">
+        <p14:creationId xmlns:p14="http://schemas.microsoft.com/office/powerpoint/2010/main" val="2269445445"/>
+      </p:ext>
+    </p:extLst>
+  </p:cSld>
+  <p:clrMapOvr>
+    <a:masterClrMapping/>
+  </p:clrMapOvr>
+</p:sld>
+</file>
+
+<file path=ppt/slides/slide68.xml><?xml version="1.0" encoding="utf-8"?>
+<p:sld xmlns:a="http://schemas.openxmlformats.org/drawingml/2006/main" xmlns:r="http://schemas.openxmlformats.org/officeDocument/2006/relationships" xmlns:p="http://schemas.openxmlformats.org/presentationml/2006/main">
+  <p:cSld>
+    <p:spTree>
+      <p:nvGrpSpPr>
+        <p:cNvPr id="1" name=""/>
+        <p:cNvGrpSpPr/>
+        <p:nvPr/>
+      </p:nvGrpSpPr>
+      <p:grpSpPr>
+        <a:xfrm>
+          <a:off x="0" y="0"/>
+          <a:ext cx="0" cy="0"/>
+          <a:chOff x="0" y="0"/>
+          <a:chExt cx="0" cy="0"/>
+        </a:xfrm>
+      </p:grpSpPr>
+      <p:sp>
+        <p:nvSpPr>
+          <p:cNvPr id="2" name="Title 1"/>
+          <p:cNvSpPr>
+            <a:spLocks noGrp="1"/>
+          </p:cNvSpPr>
+          <p:nvPr>
+            <p:ph type="title"/>
+          </p:nvPr>
+        </p:nvSpPr>
+        <p:spPr/>
+        <p:txBody>
+          <a:bodyPr/>
+          <a:lstStyle/>
+          <a:p>
+            <a:r>
+              <a:rPr lang="en-US" dirty="0" smtClean="0"/>
+              <a:t>Availability information in time-series</a:t>
+            </a:r>
+            <a:endParaRPr lang="en-US" dirty="0"/>
+          </a:p>
+        </p:txBody>
+      </p:sp>
+      <p:sp>
+        <p:nvSpPr>
+          <p:cNvPr id="3" name="Content Placeholder 2"/>
+          <p:cNvSpPr>
+            <a:spLocks noGrp="1"/>
+          </p:cNvSpPr>
+          <p:nvPr>
+            <p:ph idx="1"/>
+          </p:nvPr>
+        </p:nvSpPr>
+        <p:spPr/>
+        <p:txBody>
+          <a:bodyPr/>
+          <a:lstStyle/>
+          <a:p>
+            <a:r>
+              <a:rPr lang="en-US" dirty="0" smtClean="0"/>
+              <a:t>Should the availability information be always present as a column or should it be modular: e.g. a bunch of functions to create various kinds of availability columns</a:t>
+            </a:r>
+          </a:p>
+          <a:p>
+            <a:pPr lvl="1"/>
+            <a:r>
+              <a:rPr lang="en-US" dirty="0" smtClean="0"/>
+              <a:t>The second option makes sense</a:t>
+            </a:r>
+          </a:p>
+          <a:p>
+            <a:pPr lvl="2"/>
+            <a:r>
+              <a:rPr lang="en-US" dirty="0" smtClean="0"/>
+              <a:t>More memory efficient</a:t>
+            </a:r>
+          </a:p>
+          <a:p>
+            <a:pPr lvl="2"/>
+            <a:r>
+              <a:rPr lang="en-US" dirty="0" smtClean="0"/>
+              <a:t>More computation efficient</a:t>
+            </a:r>
+          </a:p>
+          <a:p>
+            <a:pPr lvl="2"/>
+            <a:r>
+              <a:rPr lang="en-US" dirty="0" smtClean="0"/>
+              <a:t>More flexible: different function need different kinds of availability: any, all, subset</a:t>
+            </a:r>
+          </a:p>
+          <a:p>
+            <a:pPr lvl="2"/>
+            <a:r>
+              <a:rPr lang="en-US" dirty="0" smtClean="0"/>
+              <a:t>Very fast to compute when needed</a:t>
+            </a:r>
+          </a:p>
+          <a:p>
+            <a:pPr lvl="2"/>
+            <a:r>
+              <a:rPr lang="en-US" dirty="0" smtClean="0"/>
+              <a:t>Limits bug: since the availability does not need to be computed every time there is less chance to</a:t>
+            </a:r>
+            <a:br>
+              <a:rPr lang="en-US" dirty="0" smtClean="0"/>
+            </a:br>
+            <a:r>
+              <a:rPr lang="en-US" dirty="0" smtClean="0"/>
+              <a:t>forget to update it and leave the</a:t>
+            </a:r>
+            <a:br>
+              <a:rPr lang="en-US" dirty="0" smtClean="0"/>
+            </a:br>
+            <a:r>
+              <a:rPr lang="en-US" dirty="0" smtClean="0"/>
+              <a:t>time-</a:t>
+            </a:r>
+            <a:r>
+              <a:rPr lang="en-US" dirty="0" err="1" smtClean="0"/>
+              <a:t>serie</a:t>
+            </a:r>
+            <a:r>
+              <a:rPr lang="en-US" dirty="0" smtClean="0"/>
+              <a:t> in an undefined state</a:t>
+            </a:r>
+            <a:endParaRPr lang="en-US" dirty="0"/>
+          </a:p>
+        </p:txBody>
+      </p:sp>
+      <p:pic>
+        <p:nvPicPr>
+          <p:cNvPr id="8194" name="Picture 2" descr="Image result for time series"/>
+          <p:cNvPicPr>
+            <a:picLocks noChangeAspect="1" noChangeArrowheads="1"/>
+          </p:cNvPicPr>
+          <p:nvPr/>
+        </p:nvPicPr>
+        <p:blipFill>
+          <a:blip r:embed="rId2">
+            <a:extLst>
+              <a:ext uri="{28A0092B-C50C-407E-A947-70E740481C1C}">
+                <a14:useLocalDpi xmlns:a14="http://schemas.microsoft.com/office/drawing/2010/main" val="0"/>
+              </a:ext>
+            </a:extLst>
+          </a:blip>
+          <a:srcRect/>
+          <a:stretch>
+            <a:fillRect/>
+          </a:stretch>
+        </p:blipFill>
+        <p:spPr bwMode="auto">
+          <a:xfrm>
+            <a:off x="5541202" y="4686299"/>
+            <a:ext cx="2983658" cy="1711325"/>
+          </a:xfrm>
+          <a:prstGeom prst="rect">
+            <a:avLst/>
+          </a:prstGeom>
+          <a:noFill/>
+          <a:extLst>
+            <a:ext uri="{909E8E84-426E-40DD-AFC4-6F175D3DCCD1}">
+              <a14:hiddenFill xmlns:a14="http://schemas.microsoft.com/office/drawing/2010/main">
+                <a:solidFill>
+                  <a:srgbClr val="FFFFFF"/>
+                </a:solidFill>
+              </a14:hiddenFill>
+            </a:ext>
+          </a:extLst>
+        </p:spPr>
+      </p:pic>
+    </p:spTree>
+    <p:extLst>
+      <p:ext uri="{BB962C8B-B14F-4D97-AF65-F5344CB8AC3E}">
+        <p14:creationId xmlns:p14="http://schemas.microsoft.com/office/powerpoint/2010/main" val="3438751177"/>
+      </p:ext>
+    </p:extLst>
+  </p:cSld>
+  <p:clrMapOvr>
+    <a:masterClrMapping/>
+  </p:clrMapOvr>
+</p:sld>
+</file>
+
+<file path=ppt/slides/slide69.xml><?xml version="1.0" encoding="utf-8"?>
+<p:sld xmlns:a="http://schemas.openxmlformats.org/drawingml/2006/main" xmlns:r="http://schemas.openxmlformats.org/officeDocument/2006/relationships" xmlns:p="http://schemas.openxmlformats.org/presentationml/2006/main">
+  <p:cSld>
+    <p:spTree>
+      <p:nvGrpSpPr>
+        <p:cNvPr id="1" name=""/>
+        <p:cNvGrpSpPr/>
+        <p:nvPr/>
+      </p:nvGrpSpPr>
+      <p:grpSpPr>
+        <a:xfrm>
+          <a:off x="0" y="0"/>
+          <a:ext cx="0" cy="0"/>
+          <a:chOff x="0" y="0"/>
+          <a:chExt cx="0" cy="0"/>
+        </a:xfrm>
+      </p:grpSpPr>
+      <p:pic>
+        <p:nvPicPr>
+          <p:cNvPr id="5122" name="Picture 2" descr="Image result for time series"/>
+          <p:cNvPicPr>
+            <a:picLocks noChangeAspect="1" noChangeArrowheads="1"/>
+          </p:cNvPicPr>
+          <p:nvPr/>
+        </p:nvPicPr>
+        <p:blipFill>
+          <a:blip r:embed="rId2">
+            <a:extLst>
+              <a:ext uri="{28A0092B-C50C-407E-A947-70E740481C1C}">
+                <a14:useLocalDpi xmlns:a14="http://schemas.microsoft.com/office/drawing/2010/main" val="0"/>
+              </a:ext>
+            </a:extLst>
+          </a:blip>
+          <a:srcRect/>
+          <a:stretch>
+            <a:fillRect/>
+          </a:stretch>
+        </p:blipFill>
+        <p:spPr bwMode="auto">
+          <a:xfrm>
+            <a:off x="6335800" y="14364"/>
+            <a:ext cx="2558819" cy="1467652"/>
+          </a:xfrm>
+          <a:prstGeom prst="rect">
+            <a:avLst/>
+          </a:prstGeom>
+          <a:noFill/>
+          <a:extLst>
+            <a:ext uri="{909E8E84-426E-40DD-AFC4-6F175D3DCCD1}">
+              <a14:hiddenFill xmlns:a14="http://schemas.microsoft.com/office/drawing/2010/main">
+                <a:solidFill>
+                  <a:srgbClr val="FFFFFF"/>
+                </a:solidFill>
+              </a14:hiddenFill>
+            </a:ext>
+          </a:extLst>
+        </p:spPr>
+      </p:pic>
+      <p:sp>
+        <p:nvSpPr>
+          <p:cNvPr id="2" name="Title 1"/>
+          <p:cNvSpPr>
+            <a:spLocks noGrp="1"/>
+          </p:cNvSpPr>
+          <p:nvPr>
+            <p:ph type="title"/>
+          </p:nvPr>
+        </p:nvSpPr>
+        <p:spPr/>
+        <p:txBody>
+          <a:bodyPr/>
+          <a:lstStyle/>
+          <a:p>
+            <a:r>
+              <a:rPr lang="en-US" dirty="0" smtClean="0"/>
+              <a:t>What to test</a:t>
+            </a:r>
+            <a:endParaRPr lang="en-US" dirty="0"/>
+          </a:p>
+        </p:txBody>
+      </p:sp>
+      <p:sp>
+        <p:nvSpPr>
+          <p:cNvPr id="3" name="Content Placeholder 2"/>
+          <p:cNvSpPr>
+            <a:spLocks noGrp="1"/>
+          </p:cNvSpPr>
+          <p:nvPr>
+            <p:ph idx="1"/>
+          </p:nvPr>
+        </p:nvSpPr>
+        <p:spPr/>
+        <p:txBody>
+          <a:bodyPr/>
+          <a:lstStyle/>
+          <a:p>
+            <a:r>
+              <a:rPr lang="en-US" dirty="0" smtClean="0"/>
+              <a:t>The core is the </a:t>
+            </a:r>
+            <a:r>
+              <a:rPr lang="en-US" dirty="0" err="1" smtClean="0"/>
+              <a:t>is.tse</a:t>
+            </a:r>
+            <a:r>
+              <a:rPr lang="en-US" dirty="0" smtClean="0"/>
+              <a:t> function. That</a:t>
+            </a:r>
+            <a:br>
+              <a:rPr lang="en-US" dirty="0" smtClean="0"/>
+            </a:br>
+            <a:r>
+              <a:rPr lang="en-US" dirty="0" smtClean="0"/>
+              <a:t>defines what it means for a </a:t>
+            </a:r>
+            <a:r>
+              <a:rPr lang="en-US" dirty="0" err="1" smtClean="0"/>
+              <a:t>tse</a:t>
+            </a:r>
+            <a:r>
+              <a:rPr lang="en-US" dirty="0" smtClean="0"/>
+              <a:t> to be</a:t>
+            </a:r>
+            <a:br>
+              <a:rPr lang="en-US" dirty="0" smtClean="0"/>
+            </a:br>
+            <a:r>
+              <a:rPr lang="en-US" dirty="0" smtClean="0"/>
+              <a:t>valid. It should always return true whatever the operations</a:t>
+            </a:r>
+          </a:p>
+          <a:p>
+            <a:r>
+              <a:rPr lang="en-US" dirty="0" err="1" smtClean="0"/>
+              <a:t>Is.tse</a:t>
+            </a:r>
+            <a:r>
+              <a:rPr lang="en-US" dirty="0" smtClean="0"/>
+              <a:t> should check for:</a:t>
+            </a:r>
+          </a:p>
+          <a:p>
+            <a:pPr lvl="1"/>
+            <a:r>
+              <a:rPr lang="en-US" dirty="0" smtClean="0"/>
+              <a:t>Consistency of </a:t>
+            </a:r>
+            <a:r>
+              <a:rPr lang="en-US" dirty="0" err="1" smtClean="0"/>
+              <a:t>timezone</a:t>
+            </a:r>
+            <a:endParaRPr lang="en-US" dirty="0" smtClean="0"/>
+          </a:p>
+          <a:p>
+            <a:pPr lvl="1"/>
+            <a:r>
+              <a:rPr lang="en-US" dirty="0" smtClean="0"/>
+              <a:t>Gaps in the time index</a:t>
+            </a:r>
+          </a:p>
+          <a:p>
+            <a:pPr lvl="1"/>
+            <a:r>
+              <a:rPr lang="en-US" dirty="0" smtClean="0"/>
+              <a:t>Validity of the time decorations?</a:t>
+            </a:r>
+          </a:p>
+          <a:p>
+            <a:pPr lvl="1"/>
+            <a:r>
+              <a:rPr lang="en-US" dirty="0" smtClean="0"/>
+              <a:t>Validity of the decorated added time </a:t>
+            </a:r>
+            <a:r>
+              <a:rPr lang="en-US" dirty="0" err="1" smtClean="0"/>
+              <a:t>indexings</a:t>
+            </a:r>
+            <a:endParaRPr lang="en-US" dirty="0" smtClean="0"/>
+          </a:p>
+        </p:txBody>
+      </p:sp>
+    </p:spTree>
+    <p:extLst>
+      <p:ext uri="{BB962C8B-B14F-4D97-AF65-F5344CB8AC3E}">
+        <p14:creationId xmlns:p14="http://schemas.microsoft.com/office/powerpoint/2010/main" val="3842272127"/>
       </p:ext>
     </p:extLst>
   </p:cSld>
@@ -17696,6 +19733,443 @@
       </p:par>
     </p:tnLst>
   </p:timing>
+</p:sld>
+</file>
+
+<file path=ppt/slides/slide70.xml><?xml version="1.0" encoding="utf-8"?>
+<p:sld xmlns:a="http://schemas.openxmlformats.org/drawingml/2006/main" xmlns:r="http://schemas.openxmlformats.org/officeDocument/2006/relationships" xmlns:p="http://schemas.openxmlformats.org/presentationml/2006/main">
+  <p:cSld>
+    <p:spTree>
+      <p:nvGrpSpPr>
+        <p:cNvPr id="1" name=""/>
+        <p:cNvGrpSpPr/>
+        <p:nvPr/>
+      </p:nvGrpSpPr>
+      <p:grpSpPr>
+        <a:xfrm>
+          <a:off x="0" y="0"/>
+          <a:ext cx="0" cy="0"/>
+          <a:chOff x="0" y="0"/>
+          <a:chExt cx="0" cy="0"/>
+        </a:xfrm>
+      </p:grpSpPr>
+      <p:sp>
+        <p:nvSpPr>
+          <p:cNvPr id="2" name="Title 1"/>
+          <p:cNvSpPr>
+            <a:spLocks noGrp="1"/>
+          </p:cNvSpPr>
+          <p:nvPr>
+            <p:ph type="title"/>
+          </p:nvPr>
+        </p:nvSpPr>
+        <p:spPr/>
+        <p:txBody>
+          <a:bodyPr/>
+          <a:lstStyle/>
+          <a:p>
+            <a:r>
+              <a:rPr lang="en-US" dirty="0" smtClean="0"/>
+              <a:t>Code organization</a:t>
+            </a:r>
+            <a:endParaRPr lang="en-US" dirty="0"/>
+          </a:p>
+        </p:txBody>
+      </p:sp>
+      <p:sp>
+        <p:nvSpPr>
+          <p:cNvPr id="5" name="AutoShape 4" descr="Image result for black cathedral"/>
+          <p:cNvSpPr>
+            <a:spLocks noGrp="1" noChangeAspect="1" noChangeArrowheads="1"/>
+          </p:cNvSpPr>
+          <p:nvPr>
+            <p:ph idx="1"/>
+          </p:nvPr>
+        </p:nvSpPr>
+        <p:spPr bwMode="auto">
+          <a:prstGeom prst="rect">
+            <a:avLst/>
+          </a:prstGeom>
+          <a:noFill/>
+          <a:extLst>
+            <a:ext uri="{909E8E84-426E-40DD-AFC4-6F175D3DCCD1}">
+              <a14:hiddenFill xmlns:a14="http://schemas.microsoft.com/office/drawing/2010/main">
+                <a:solidFill>
+                  <a:srgbClr val="FFFFFF"/>
+                </a:solidFill>
+              </a14:hiddenFill>
+            </a:ext>
+          </a:extLst>
+        </p:spPr>
+        <p:txBody>
+          <a:bodyPr vert="horz" wrap="square" lIns="91440" tIns="45720" rIns="91440" bIns="45720" numCol="1" anchor="t" anchorCtr="0" compatLnSpc="1">
+            <a:prstTxWarp prst="textNoShape">
+              <a:avLst/>
+            </a:prstTxWarp>
+          </a:bodyPr>
+          <a:lstStyle/>
+          <a:p>
+            <a:r>
+              <a:rPr lang="en-US" dirty="0" smtClean="0"/>
+              <a:t>Model training is quite long…</a:t>
+            </a:r>
+            <a:br>
+              <a:rPr lang="en-US" dirty="0" smtClean="0"/>
+            </a:br>
+            <a:r>
+              <a:rPr lang="en-US" dirty="0" smtClean="0"/>
+              <a:t>It becomes quite long to iterate</a:t>
+            </a:r>
+          </a:p>
+          <a:p>
+            <a:pPr lvl="1"/>
+            <a:r>
+              <a:rPr lang="en-US" dirty="0" smtClean="0"/>
+              <a:t>Isolate the </a:t>
+            </a:r>
+            <a:r>
+              <a:rPr lang="en-US" b="1" dirty="0" smtClean="0"/>
+              <a:t>long operations</a:t>
+            </a:r>
+            <a:r>
+              <a:rPr lang="en-US" dirty="0" smtClean="0"/>
+              <a:t> in separate</a:t>
+            </a:r>
+            <a:br>
+              <a:rPr lang="en-US" dirty="0" smtClean="0"/>
+            </a:br>
+            <a:r>
+              <a:rPr lang="en-US" dirty="0" smtClean="0"/>
+              <a:t>functions</a:t>
+            </a:r>
+          </a:p>
+          <a:p>
+            <a:pPr lvl="1"/>
+            <a:r>
+              <a:rPr lang="en-US" dirty="0" smtClean="0"/>
+              <a:t>Use a linear model to speed things up </a:t>
+            </a:r>
+            <a:r>
+              <a:rPr lang="en-US" smtClean="0"/>
+              <a:t>for testing</a:t>
+            </a:r>
+            <a:endParaRPr lang="en-US" dirty="0"/>
+          </a:p>
+        </p:txBody>
+      </p:sp>
+      <p:pic>
+        <p:nvPicPr>
+          <p:cNvPr id="12302" name="Picture 14" descr="Image result for cathedral drawing"/>
+          <p:cNvPicPr>
+            <a:picLocks noChangeAspect="1" noChangeArrowheads="1"/>
+          </p:cNvPicPr>
+          <p:nvPr/>
+        </p:nvPicPr>
+        <p:blipFill>
+          <a:blip r:embed="rId2">
+            <a:extLst>
+              <a:ext uri="{28A0092B-C50C-407E-A947-70E740481C1C}">
+                <a14:useLocalDpi xmlns:a14="http://schemas.microsoft.com/office/drawing/2010/main" val="0"/>
+              </a:ext>
+            </a:extLst>
+          </a:blip>
+          <a:srcRect/>
+          <a:stretch>
+            <a:fillRect/>
+          </a:stretch>
+        </p:blipFill>
+        <p:spPr bwMode="auto">
+          <a:xfrm>
+            <a:off x="6701848" y="0"/>
+            <a:ext cx="2124075" cy="2152650"/>
+          </a:xfrm>
+          <a:prstGeom prst="rect">
+            <a:avLst/>
+          </a:prstGeom>
+          <a:noFill/>
+          <a:extLst>
+            <a:ext uri="{909E8E84-426E-40DD-AFC4-6F175D3DCCD1}">
+              <a14:hiddenFill xmlns:a14="http://schemas.microsoft.com/office/drawing/2010/main">
+                <a:solidFill>
+                  <a:srgbClr val="FFFFFF"/>
+                </a:solidFill>
+              </a14:hiddenFill>
+            </a:ext>
+          </a:extLst>
+        </p:spPr>
+      </p:pic>
+    </p:spTree>
+    <p:extLst>
+      <p:ext uri="{BB962C8B-B14F-4D97-AF65-F5344CB8AC3E}">
+        <p14:creationId xmlns:p14="http://schemas.microsoft.com/office/powerpoint/2010/main" val="164843363"/>
+      </p:ext>
+    </p:extLst>
+  </p:cSld>
+  <p:clrMapOvr>
+    <a:masterClrMapping/>
+  </p:clrMapOvr>
+</p:sld>
+</file>
+
+<file path=ppt/slides/slide71.xml><?xml version="1.0" encoding="utf-8"?>
+<p:sld xmlns:a="http://schemas.openxmlformats.org/drawingml/2006/main" xmlns:r="http://schemas.openxmlformats.org/officeDocument/2006/relationships" xmlns:p="http://schemas.openxmlformats.org/presentationml/2006/main">
+  <p:cSld>
+    <p:spTree>
+      <p:nvGrpSpPr>
+        <p:cNvPr id="1" name=""/>
+        <p:cNvGrpSpPr/>
+        <p:nvPr/>
+      </p:nvGrpSpPr>
+      <p:grpSpPr>
+        <a:xfrm>
+          <a:off x="0" y="0"/>
+          <a:ext cx="0" cy="0"/>
+          <a:chOff x="0" y="0"/>
+          <a:chExt cx="0" cy="0"/>
+        </a:xfrm>
+      </p:grpSpPr>
+      <p:sp>
+        <p:nvSpPr>
+          <p:cNvPr id="2" name="Title 1"/>
+          <p:cNvSpPr>
+            <a:spLocks noGrp="1"/>
+          </p:cNvSpPr>
+          <p:nvPr>
+            <p:ph type="title"/>
+          </p:nvPr>
+        </p:nvSpPr>
+        <p:spPr/>
+        <p:txBody>
+          <a:bodyPr/>
+          <a:lstStyle/>
+          <a:p>
+            <a:r>
+              <a:rPr lang="en-US" dirty="0" smtClean="0"/>
+              <a:t>Code organization</a:t>
+            </a:r>
+            <a:endParaRPr lang="en-US" dirty="0"/>
+          </a:p>
+        </p:txBody>
+      </p:sp>
+      <p:sp>
+        <p:nvSpPr>
+          <p:cNvPr id="5" name="AutoShape 4" descr="Image result for black cathedral"/>
+          <p:cNvSpPr>
+            <a:spLocks noGrp="1" noChangeAspect="1" noChangeArrowheads="1"/>
+          </p:cNvSpPr>
+          <p:nvPr>
+            <p:ph idx="1"/>
+          </p:nvPr>
+        </p:nvSpPr>
+        <p:spPr bwMode="auto">
+          <a:prstGeom prst="rect">
+            <a:avLst/>
+          </a:prstGeom>
+          <a:noFill/>
+          <a:extLst>
+            <a:ext uri="{909E8E84-426E-40DD-AFC4-6F175D3DCCD1}">
+              <a14:hiddenFill xmlns:a14="http://schemas.microsoft.com/office/drawing/2010/main">
+                <a:solidFill>
+                  <a:srgbClr val="FFFFFF"/>
+                </a:solidFill>
+              </a14:hiddenFill>
+            </a:ext>
+          </a:extLst>
+        </p:spPr>
+        <p:txBody>
+          <a:bodyPr vert="horz" wrap="square" lIns="91440" tIns="45720" rIns="91440" bIns="45720" numCol="1" anchor="t" anchorCtr="0" compatLnSpc="1">
+            <a:prstTxWarp prst="textNoShape">
+              <a:avLst/>
+            </a:prstTxWarp>
+          </a:bodyPr>
+          <a:lstStyle/>
+          <a:p>
+            <a:endParaRPr lang="en-US" dirty="0"/>
+          </a:p>
+        </p:txBody>
+      </p:sp>
+      <p:pic>
+        <p:nvPicPr>
+          <p:cNvPr id="12302" name="Picture 14" descr="Image result for cathedral drawing"/>
+          <p:cNvPicPr>
+            <a:picLocks noChangeAspect="1" noChangeArrowheads="1"/>
+          </p:cNvPicPr>
+          <p:nvPr/>
+        </p:nvPicPr>
+        <p:blipFill>
+          <a:blip r:embed="rId2">
+            <a:extLst>
+              <a:ext uri="{28A0092B-C50C-407E-A947-70E740481C1C}">
+                <a14:useLocalDpi xmlns:a14="http://schemas.microsoft.com/office/drawing/2010/main" val="0"/>
+              </a:ext>
+            </a:extLst>
+          </a:blip>
+          <a:srcRect/>
+          <a:stretch>
+            <a:fillRect/>
+          </a:stretch>
+        </p:blipFill>
+        <p:spPr bwMode="auto">
+          <a:xfrm>
+            <a:off x="6701848" y="0"/>
+            <a:ext cx="2124075" cy="2152650"/>
+          </a:xfrm>
+          <a:prstGeom prst="rect">
+            <a:avLst/>
+          </a:prstGeom>
+          <a:noFill/>
+          <a:extLst>
+            <a:ext uri="{909E8E84-426E-40DD-AFC4-6F175D3DCCD1}">
+              <a14:hiddenFill xmlns:a14="http://schemas.microsoft.com/office/drawing/2010/main">
+                <a:solidFill>
+                  <a:srgbClr val="FFFFFF"/>
+                </a:solidFill>
+              </a14:hiddenFill>
+            </a:ext>
+          </a:extLst>
+        </p:spPr>
+      </p:pic>
+    </p:spTree>
+    <p:extLst>
+      <p:ext uri="{BB962C8B-B14F-4D97-AF65-F5344CB8AC3E}">
+        <p14:creationId xmlns:p14="http://schemas.microsoft.com/office/powerpoint/2010/main" val="2310135575"/>
+      </p:ext>
+    </p:extLst>
+  </p:cSld>
+  <p:clrMapOvr>
+    <a:masterClrMapping/>
+  </p:clrMapOvr>
+</p:sld>
+</file>
+
+<file path=ppt/slides/slide72.xml><?xml version="1.0" encoding="utf-8"?>
+<p:sld xmlns:a="http://schemas.openxmlformats.org/drawingml/2006/main" xmlns:r="http://schemas.openxmlformats.org/officeDocument/2006/relationships" xmlns:p="http://schemas.openxmlformats.org/presentationml/2006/main">
+  <p:cSld>
+    <p:spTree>
+      <p:nvGrpSpPr>
+        <p:cNvPr id="1" name=""/>
+        <p:cNvGrpSpPr/>
+        <p:nvPr/>
+      </p:nvGrpSpPr>
+      <p:grpSpPr>
+        <a:xfrm>
+          <a:off x="0" y="0"/>
+          <a:ext cx="0" cy="0"/>
+          <a:chOff x="0" y="0"/>
+          <a:chExt cx="0" cy="0"/>
+        </a:xfrm>
+      </p:grpSpPr>
+      <p:sp>
+        <p:nvSpPr>
+          <p:cNvPr id="2" name="Title 1"/>
+          <p:cNvSpPr>
+            <a:spLocks noGrp="1"/>
+          </p:cNvSpPr>
+          <p:nvPr>
+            <p:ph type="title"/>
+          </p:nvPr>
+        </p:nvSpPr>
+        <p:spPr/>
+        <p:txBody>
+          <a:bodyPr/>
+          <a:lstStyle/>
+          <a:p>
+            <a:r>
+              <a:rPr lang="en-US" dirty="0" smtClean="0"/>
+              <a:t>Code organization</a:t>
+            </a:r>
+            <a:endParaRPr lang="en-US" dirty="0"/>
+          </a:p>
+        </p:txBody>
+      </p:sp>
+      <p:sp>
+        <p:nvSpPr>
+          <p:cNvPr id="5" name="AutoShape 4" descr="Image result for black cathedral"/>
+          <p:cNvSpPr>
+            <a:spLocks noGrp="1" noChangeAspect="1" noChangeArrowheads="1"/>
+          </p:cNvSpPr>
+          <p:nvPr>
+            <p:ph idx="1"/>
+          </p:nvPr>
+        </p:nvSpPr>
+        <p:spPr bwMode="auto">
+          <a:prstGeom prst="rect">
+            <a:avLst/>
+          </a:prstGeom>
+          <a:noFill/>
+          <a:extLst>
+            <a:ext uri="{909E8E84-426E-40DD-AFC4-6F175D3DCCD1}">
+              <a14:hiddenFill xmlns:a14="http://schemas.microsoft.com/office/drawing/2010/main">
+                <a:solidFill>
+                  <a:srgbClr val="FFFFFF"/>
+                </a:solidFill>
+              </a14:hiddenFill>
+            </a:ext>
+          </a:extLst>
+        </p:spPr>
+        <p:txBody>
+          <a:bodyPr vert="horz" wrap="square" lIns="91440" tIns="45720" rIns="91440" bIns="45720" numCol="1" anchor="t" anchorCtr="0" compatLnSpc="1">
+            <a:prstTxWarp prst="textNoShape">
+              <a:avLst/>
+            </a:prstTxWarp>
+          </a:bodyPr>
+          <a:lstStyle/>
+          <a:p>
+            <a:endParaRPr lang="en-US" dirty="0"/>
+          </a:p>
+        </p:txBody>
+      </p:sp>
+      <p:pic>
+        <p:nvPicPr>
+          <p:cNvPr id="12302" name="Picture 14" descr="Image result for cathedral drawing"/>
+          <p:cNvPicPr>
+            <a:picLocks noChangeAspect="1" noChangeArrowheads="1"/>
+          </p:cNvPicPr>
+          <p:nvPr/>
+        </p:nvPicPr>
+        <p:blipFill>
+          <a:blip r:embed="rId2">
+            <a:extLst>
+              <a:ext uri="{28A0092B-C50C-407E-A947-70E740481C1C}">
+                <a14:useLocalDpi xmlns:a14="http://schemas.microsoft.com/office/drawing/2010/main" val="0"/>
+              </a:ext>
+            </a:extLst>
+          </a:blip>
+          <a:srcRect/>
+          <a:stretch>
+            <a:fillRect/>
+          </a:stretch>
+        </p:blipFill>
+        <p:spPr bwMode="auto">
+          <a:xfrm>
+            <a:off x="6701848" y="0"/>
+            <a:ext cx="2124075" cy="2152650"/>
+          </a:xfrm>
+          <a:prstGeom prst="rect">
+            <a:avLst/>
+          </a:prstGeom>
+          <a:noFill/>
+          <a:extLst>
+            <a:ext uri="{909E8E84-426E-40DD-AFC4-6F175D3DCCD1}">
+              <a14:hiddenFill xmlns:a14="http://schemas.microsoft.com/office/drawing/2010/main">
+                <a:solidFill>
+                  <a:srgbClr val="FFFFFF"/>
+                </a:solidFill>
+              </a14:hiddenFill>
+            </a:ext>
+          </a:extLst>
+        </p:spPr>
+      </p:pic>
+    </p:spTree>
+    <p:extLst>
+      <p:ext uri="{BB962C8B-B14F-4D97-AF65-F5344CB8AC3E}">
+        <p14:creationId xmlns:p14="http://schemas.microsoft.com/office/powerpoint/2010/main" val="1645111908"/>
+      </p:ext>
+    </p:extLst>
+  </p:cSld>
+  <p:clrMapOvr>
+    <a:masterClrMapping/>
+  </p:clrMapOvr>
 </p:sld>
 </file>
 
